--- a/finalproject/중간발표.pptx
+++ b/finalproject/중간발표.pptx
@@ -3949,7 +3949,7 @@
           <p:cNvPr id="1026" name="Picture 2" descr="Free vector graphics of Virus">
             <a:extLst>
               <a:ext uri="{FF2B5EF4-FFF2-40B4-BE49-F238E27FC236}">
-                <a16:creationId xmlns="" xmlns:a16="http://schemas.microsoft.com/office/drawing/2014/main" id="{2E66E7FB-AF78-6282-2622-8A69024ABBCD}"/>
+                <a16:creationId xmlns:a16="http://schemas.microsoft.com/office/drawing/2014/main" xmlns="" id="{2E66E7FB-AF78-6282-2622-8A69024ABBCD}"/>
               </a:ext>
             </a:extLst>
           </p:cNvPr>
@@ -4705,7 +4705,7 @@
           <p:cNvPr id="3" name="그룹 2">
             <a:extLst>
               <a:ext uri="{FF2B5EF4-FFF2-40B4-BE49-F238E27FC236}">
-                <a16:creationId xmlns="" xmlns:a16="http://schemas.microsoft.com/office/drawing/2014/main" id="{8E6B82F7-9A0E-000C-C1D4-4E3E6FB5B081}"/>
+                <a16:creationId xmlns:a16="http://schemas.microsoft.com/office/drawing/2014/main" xmlns="" id="{8E6B82F7-9A0E-000C-C1D4-4E3E6FB5B081}"/>
               </a:ext>
             </a:extLst>
           </p:cNvPr>
@@ -5140,7 +5140,7 @@
           <p:cNvPr id="42" name="직사각형 41">
             <a:extLst>
               <a:ext uri="{FF2B5EF4-FFF2-40B4-BE49-F238E27FC236}">
-                <a16:creationId xmlns="" xmlns:a16="http://schemas.microsoft.com/office/drawing/2014/main" id="{1C35A5F8-6249-6FD4-45CC-97027408B2C1}"/>
+                <a16:creationId xmlns:a16="http://schemas.microsoft.com/office/drawing/2014/main" xmlns="" id="{1C35A5F8-6249-6FD4-45CC-97027408B2C1}"/>
               </a:ext>
             </a:extLst>
           </p:cNvPr>
@@ -5238,7 +5238,7 @@
           <p:cNvPr id="46" name="그룹 45">
             <a:extLst>
               <a:ext uri="{FF2B5EF4-FFF2-40B4-BE49-F238E27FC236}">
-                <a16:creationId xmlns="" xmlns:a16="http://schemas.microsoft.com/office/drawing/2014/main" id="{7170CF3E-EE38-57BA-F629-EF036AC1D9A0}"/>
+                <a16:creationId xmlns:a16="http://schemas.microsoft.com/office/drawing/2014/main" xmlns="" id="{7170CF3E-EE38-57BA-F629-EF036AC1D9A0}"/>
               </a:ext>
             </a:extLst>
           </p:cNvPr>
@@ -5258,7 +5258,7 @@
             <p:cNvPr id="47" name="모서리가 둥근 직사각형 27">
               <a:extLst>
                 <a:ext uri="{FF2B5EF4-FFF2-40B4-BE49-F238E27FC236}">
-                  <a16:creationId xmlns="" xmlns:a16="http://schemas.microsoft.com/office/drawing/2014/main" id="{96F80A84-637E-D88D-0ECF-D3E76DEE6CE2}"/>
+                  <a16:creationId xmlns:a16="http://schemas.microsoft.com/office/drawing/2014/main" xmlns="" id="{96F80A84-637E-D88D-0ECF-D3E76DEE6CE2}"/>
                 </a:ext>
               </a:extLst>
             </p:cNvPr>
@@ -5324,7 +5324,7 @@
             <p:cNvPr id="48" name="양쪽 모서리가 둥근 사각형 28">
               <a:extLst>
                 <a:ext uri="{FF2B5EF4-FFF2-40B4-BE49-F238E27FC236}">
-                  <a16:creationId xmlns="" xmlns:a16="http://schemas.microsoft.com/office/drawing/2014/main" id="{6BB7FF55-201E-570A-C560-CAE98F74C9D1}"/>
+                  <a16:creationId xmlns:a16="http://schemas.microsoft.com/office/drawing/2014/main" xmlns="" id="{6BB7FF55-201E-570A-C560-CAE98F74C9D1}"/>
                 </a:ext>
               </a:extLst>
             </p:cNvPr>
@@ -5383,7 +5383,7 @@
             <p:cNvPr id="49" name="직사각형 48">
               <a:extLst>
                 <a:ext uri="{FF2B5EF4-FFF2-40B4-BE49-F238E27FC236}">
-                  <a16:creationId xmlns="" xmlns:a16="http://schemas.microsoft.com/office/drawing/2014/main" id="{5E2ABBE1-2C4E-3328-9CD7-3FF887F97CAC}"/>
+                  <a16:creationId xmlns:a16="http://schemas.microsoft.com/office/drawing/2014/main" xmlns="" id="{5E2ABBE1-2C4E-3328-9CD7-3FF887F97CAC}"/>
                 </a:ext>
               </a:extLst>
             </p:cNvPr>
@@ -5440,7 +5440,7 @@
             <p:cNvPr id="50" name="직사각형 49">
               <a:extLst>
                 <a:ext uri="{FF2B5EF4-FFF2-40B4-BE49-F238E27FC236}">
-                  <a16:creationId xmlns="" xmlns:a16="http://schemas.microsoft.com/office/drawing/2014/main" id="{D5AFF518-A4E1-32F3-4B87-DEC0B24556AD}"/>
+                  <a16:creationId xmlns:a16="http://schemas.microsoft.com/office/drawing/2014/main" xmlns="" id="{D5AFF518-A4E1-32F3-4B87-DEC0B24556AD}"/>
                 </a:ext>
               </a:extLst>
             </p:cNvPr>
@@ -5484,7 +5484,7 @@
           <p:cNvPr id="51" name="그룹 50">
             <a:extLst>
               <a:ext uri="{FF2B5EF4-FFF2-40B4-BE49-F238E27FC236}">
-                <a16:creationId xmlns="" xmlns:a16="http://schemas.microsoft.com/office/drawing/2014/main" id="{AA042848-D155-E16A-2DE8-FA0D4B05F543}"/>
+                <a16:creationId xmlns:a16="http://schemas.microsoft.com/office/drawing/2014/main" xmlns="" id="{AA042848-D155-E16A-2DE8-FA0D4B05F543}"/>
               </a:ext>
             </a:extLst>
           </p:cNvPr>
@@ -5504,7 +5504,7 @@
             <p:cNvPr id="52" name="모서리가 둥근 직사각형 27">
               <a:extLst>
                 <a:ext uri="{FF2B5EF4-FFF2-40B4-BE49-F238E27FC236}">
-                  <a16:creationId xmlns="" xmlns:a16="http://schemas.microsoft.com/office/drawing/2014/main" id="{B1F3AF7F-F1CC-9E4B-663E-FE700E030981}"/>
+                  <a16:creationId xmlns:a16="http://schemas.microsoft.com/office/drawing/2014/main" xmlns="" id="{B1F3AF7F-F1CC-9E4B-663E-FE700E030981}"/>
                 </a:ext>
               </a:extLst>
             </p:cNvPr>
@@ -5570,7 +5570,7 @@
             <p:cNvPr id="53" name="양쪽 모서리가 둥근 사각형 28">
               <a:extLst>
                 <a:ext uri="{FF2B5EF4-FFF2-40B4-BE49-F238E27FC236}">
-                  <a16:creationId xmlns="" xmlns:a16="http://schemas.microsoft.com/office/drawing/2014/main" id="{F2D18B2A-D721-099F-DEF7-D872FB0BFDE7}"/>
+                  <a16:creationId xmlns:a16="http://schemas.microsoft.com/office/drawing/2014/main" xmlns="" id="{F2D18B2A-D721-099F-DEF7-D872FB0BFDE7}"/>
                 </a:ext>
               </a:extLst>
             </p:cNvPr>
@@ -5629,7 +5629,7 @@
             <p:cNvPr id="54" name="직사각형 53">
               <a:extLst>
                 <a:ext uri="{FF2B5EF4-FFF2-40B4-BE49-F238E27FC236}">
-                  <a16:creationId xmlns="" xmlns:a16="http://schemas.microsoft.com/office/drawing/2014/main" id="{5035D9FC-6E18-FCA2-1527-BC780EFABDA8}"/>
+                  <a16:creationId xmlns:a16="http://schemas.microsoft.com/office/drawing/2014/main" xmlns="" id="{5035D9FC-6E18-FCA2-1527-BC780EFABDA8}"/>
                 </a:ext>
               </a:extLst>
             </p:cNvPr>
@@ -5701,7 +5701,7 @@
             <p:cNvPr id="55" name="직사각형 54">
               <a:extLst>
                 <a:ext uri="{FF2B5EF4-FFF2-40B4-BE49-F238E27FC236}">
-                  <a16:creationId xmlns="" xmlns:a16="http://schemas.microsoft.com/office/drawing/2014/main" id="{C38B3D7A-DF54-9439-306F-3DE1EFF23E18}"/>
+                  <a16:creationId xmlns:a16="http://schemas.microsoft.com/office/drawing/2014/main" xmlns="" id="{C38B3D7A-DF54-9439-306F-3DE1EFF23E18}"/>
                 </a:ext>
               </a:extLst>
             </p:cNvPr>
@@ -5745,7 +5745,7 @@
           <p:cNvPr id="2050" name="Picture 2" descr="Free vector graphics of Covid19">
             <a:extLst>
               <a:ext uri="{FF2B5EF4-FFF2-40B4-BE49-F238E27FC236}">
-                <a16:creationId xmlns="" xmlns:a16="http://schemas.microsoft.com/office/drawing/2014/main" id="{BB2F96AC-AE8A-F758-9E37-91C0407FF160}"/>
+                <a16:creationId xmlns:a16="http://schemas.microsoft.com/office/drawing/2014/main" xmlns="" id="{BB2F96AC-AE8A-F758-9E37-91C0407FF160}"/>
               </a:ext>
             </a:extLst>
           </p:cNvPr>
@@ -6583,7 +6583,7 @@
           <p:cNvPr id="80" name="사각형: 둥근 모서리 4">
             <a:extLst>
               <a:ext uri="{FF2B5EF4-FFF2-40B4-BE49-F238E27FC236}">
-                <a16:creationId xmlns="" xmlns:a16="http://schemas.microsoft.com/office/drawing/2014/main" id="{09CE5959-0D78-46D2-9860-E5C7A4D34A72}"/>
+                <a16:creationId xmlns:a16="http://schemas.microsoft.com/office/drawing/2014/main" xmlns="" id="{09CE5959-0D78-46D2-9860-E5C7A4D34A72}"/>
               </a:ext>
             </a:extLst>
           </p:cNvPr>
@@ -6674,7 +6674,7 @@
           <p:cNvPr id="81" name="사각형: 둥근 모서리 5">
             <a:extLst>
               <a:ext uri="{FF2B5EF4-FFF2-40B4-BE49-F238E27FC236}">
-                <a16:creationId xmlns="" xmlns:a16="http://schemas.microsoft.com/office/drawing/2014/main" id="{E0EB1664-FDFE-4923-9888-CB17C72720CE}"/>
+                <a16:creationId xmlns:a16="http://schemas.microsoft.com/office/drawing/2014/main" xmlns="" id="{E0EB1664-FDFE-4923-9888-CB17C72720CE}"/>
               </a:ext>
             </a:extLst>
           </p:cNvPr>
@@ -6746,7 +6746,7 @@
           <p:cNvPr id="83" name="TextBox 82">
             <a:extLst>
               <a:ext uri="{FF2B5EF4-FFF2-40B4-BE49-F238E27FC236}">
-                <a16:creationId xmlns="" xmlns:a16="http://schemas.microsoft.com/office/drawing/2014/main" id="{D7A4DD1C-4839-45EA-9AAB-1A57C4104FAF}"/>
+                <a16:creationId xmlns:a16="http://schemas.microsoft.com/office/drawing/2014/main" xmlns="" id="{D7A4DD1C-4839-45EA-9AAB-1A57C4104FAF}"/>
               </a:ext>
             </a:extLst>
           </p:cNvPr>
@@ -6813,7 +6813,7 @@
           <p:cNvPr id="88" name="TextBox 87">
             <a:extLst>
               <a:ext uri="{FF2B5EF4-FFF2-40B4-BE49-F238E27FC236}">
-                <a16:creationId xmlns="" xmlns:a16="http://schemas.microsoft.com/office/drawing/2014/main" id="{F40F6D64-FBD4-4681-86F5-EC317C8A7BA6}"/>
+                <a16:creationId xmlns:a16="http://schemas.microsoft.com/office/drawing/2014/main" xmlns="" id="{F40F6D64-FBD4-4681-86F5-EC317C8A7BA6}"/>
               </a:ext>
             </a:extLst>
           </p:cNvPr>
@@ -6922,7 +6922,43 @@
                 </a:solidFill>
                 <a:cs typeface="Aharoni" panose="02010803020104030203" pitchFamily="2" charset="-79"/>
               </a:rPr>
-              <a:t>코로나 검사 실시 기관 </a:t>
+              <a:t>코로나 </a:t>
+            </a:r>
+            <a:r>
+              <a:rPr lang="en-US" altLang="ko-KR" dirty="0" smtClean="0">
+                <a:solidFill>
+                  <a:prstClr val="black">
+                    <a:lumMod val="75000"/>
+                    <a:lumOff val="25000"/>
+                  </a:prstClr>
+                </a:solidFill>
+                <a:cs typeface="Aharoni" panose="02010803020104030203" pitchFamily="2" charset="-79"/>
+              </a:rPr>
+              <a:t>19 </a:t>
+            </a:r>
+            <a:r>
+              <a:rPr lang="ko-KR" altLang="en-US" dirty="0" smtClean="0">
+                <a:solidFill>
+                  <a:prstClr val="black">
+                    <a:lumMod val="75000"/>
+                    <a:lumOff val="25000"/>
+                  </a:prstClr>
+                </a:solidFill>
+                <a:cs typeface="Aharoni" panose="02010803020104030203" pitchFamily="2" charset="-79"/>
+              </a:rPr>
+              <a:t>검사 </a:t>
+            </a:r>
+            <a:r>
+              <a:rPr lang="ko-KR" altLang="en-US" dirty="0" smtClean="0">
+                <a:solidFill>
+                  <a:prstClr val="black">
+                    <a:lumMod val="75000"/>
+                    <a:lumOff val="25000"/>
+                  </a:prstClr>
+                </a:solidFill>
+                <a:cs typeface="Aharoni" panose="02010803020104030203" pitchFamily="2" charset="-79"/>
+              </a:rPr>
+              <a:t>실시 기관 </a:t>
             </a:r>
             <a:r>
               <a:rPr lang="en-US" altLang="ko-KR" dirty="0" smtClean="0">
@@ -7231,7 +7267,7 @@
           <p:cNvPr id="90" name="TextBox 89">
             <a:extLst>
               <a:ext uri="{FF2B5EF4-FFF2-40B4-BE49-F238E27FC236}">
-                <a16:creationId xmlns="" xmlns:a16="http://schemas.microsoft.com/office/drawing/2014/main" id="{8A3621D7-FADB-47C7-854C-4BDBB088D7BA}"/>
+                <a16:creationId xmlns:a16="http://schemas.microsoft.com/office/drawing/2014/main" xmlns="" id="{8A3621D7-FADB-47C7-854C-4BDBB088D7BA}"/>
               </a:ext>
             </a:extLst>
           </p:cNvPr>
@@ -7298,7 +7334,7 @@
           <p:cNvPr id="97" name="TextBox 96">
             <a:extLst>
               <a:ext uri="{FF2B5EF4-FFF2-40B4-BE49-F238E27FC236}">
-                <a16:creationId xmlns="" xmlns:a16="http://schemas.microsoft.com/office/drawing/2014/main" id="{590ECC92-C933-4D18-9F27-FD7AC64EAFE4}"/>
+                <a16:creationId xmlns:a16="http://schemas.microsoft.com/office/drawing/2014/main" xmlns="" id="{590ECC92-C933-4D18-9F27-FD7AC64EAFE4}"/>
               </a:ext>
             </a:extLst>
           </p:cNvPr>
@@ -7365,7 +7401,7 @@
           <p:cNvPr id="103" name="직선 연결선 102">
             <a:extLst>
               <a:ext uri="{FF2B5EF4-FFF2-40B4-BE49-F238E27FC236}">
-                <a16:creationId xmlns="" xmlns:a16="http://schemas.microsoft.com/office/drawing/2014/main" id="{5A0CD142-015D-4F5B-B108-3EDA4FF6EBF7}"/>
+                <a16:creationId xmlns:a16="http://schemas.microsoft.com/office/drawing/2014/main" xmlns="" id="{5A0CD142-015D-4F5B-B108-3EDA4FF6EBF7}"/>
               </a:ext>
             </a:extLst>
           </p:cNvPr>
@@ -7411,7 +7447,7 @@
           <p:cNvPr id="104" name="직선 연결선 103">
             <a:extLst>
               <a:ext uri="{FF2B5EF4-FFF2-40B4-BE49-F238E27FC236}">
-                <a16:creationId xmlns="" xmlns:a16="http://schemas.microsoft.com/office/drawing/2014/main" id="{22217D9E-8F96-45A9-BF07-205F55625DDC}"/>
+                <a16:creationId xmlns:a16="http://schemas.microsoft.com/office/drawing/2014/main" xmlns="" id="{22217D9E-8F96-45A9-BF07-205F55625DDC}"/>
               </a:ext>
             </a:extLst>
           </p:cNvPr>
@@ -7457,7 +7493,7 @@
           <p:cNvPr id="57" name="직선 연결선 56">
             <a:extLst>
               <a:ext uri="{FF2B5EF4-FFF2-40B4-BE49-F238E27FC236}">
-                <a16:creationId xmlns="" xmlns:a16="http://schemas.microsoft.com/office/drawing/2014/main" id="{725A44AE-8582-B48D-27F4-FD418FDCFB6B}"/>
+                <a16:creationId xmlns:a16="http://schemas.microsoft.com/office/drawing/2014/main" xmlns="" id="{725A44AE-8582-B48D-27F4-FD418FDCFB6B}"/>
               </a:ext>
             </a:extLst>
           </p:cNvPr>
@@ -7503,7 +7539,7 @@
           <p:cNvPr id="58" name="직선 연결선 57">
             <a:extLst>
               <a:ext uri="{FF2B5EF4-FFF2-40B4-BE49-F238E27FC236}">
-                <a16:creationId xmlns="" xmlns:a16="http://schemas.microsoft.com/office/drawing/2014/main" id="{98CAF6DD-4F21-A1B3-9936-8FFC1298D28F}"/>
+                <a16:creationId xmlns:a16="http://schemas.microsoft.com/office/drawing/2014/main" xmlns="" id="{98CAF6DD-4F21-A1B3-9936-8FFC1298D28F}"/>
               </a:ext>
             </a:extLst>
           </p:cNvPr>
@@ -7549,7 +7585,7 @@
           <p:cNvPr id="59" name="직선 연결선 58">
             <a:extLst>
               <a:ext uri="{FF2B5EF4-FFF2-40B4-BE49-F238E27FC236}">
-                <a16:creationId xmlns="" xmlns:a16="http://schemas.microsoft.com/office/drawing/2014/main" id="{424867F0-8676-BE80-98FF-8DEDE24C56A4}"/>
+                <a16:creationId xmlns:a16="http://schemas.microsoft.com/office/drawing/2014/main" xmlns="" id="{424867F0-8676-BE80-98FF-8DEDE24C56A4}"/>
               </a:ext>
             </a:extLst>
           </p:cNvPr>
@@ -7595,7 +7631,7 @@
           <p:cNvPr id="35" name="그룹 34">
             <a:extLst>
               <a:ext uri="{FF2B5EF4-FFF2-40B4-BE49-F238E27FC236}">
-                <a16:creationId xmlns="" xmlns:a16="http://schemas.microsoft.com/office/drawing/2014/main" id="{1F0C2E5B-29D0-E170-B21F-B3A1C572E452}"/>
+                <a16:creationId xmlns:a16="http://schemas.microsoft.com/office/drawing/2014/main" xmlns="" id="{1F0C2E5B-29D0-E170-B21F-B3A1C572E452}"/>
               </a:ext>
             </a:extLst>
           </p:cNvPr>
@@ -7615,7 +7651,7 @@
             <p:cNvPr id="36" name="Picture 6" descr="https://mblogthumb-phinf.pstatic.net/MjAxOTA3MTdfMjI0/MDAxNTYzMzY4OTMyOTMy.vu84HL4xt9Y3dcQhuNkmbut9YylPR6Vr6Ar3aA6g0Ogg.V1V1blBntGdD5aj3iUeu7aPyFGCLkATd-QjaeUu024Mg.PNG.noksek0615/267C964756B5409139.png?type=w800">
               <a:extLst>
                 <a:ext uri="{FF2B5EF4-FFF2-40B4-BE49-F238E27FC236}">
-                  <a16:creationId xmlns="" xmlns:a16="http://schemas.microsoft.com/office/drawing/2014/main" id="{67981A3E-DFE6-7BC2-A35A-3523FA2C311F}"/>
+                  <a16:creationId xmlns:a16="http://schemas.microsoft.com/office/drawing/2014/main" xmlns="" id="{67981A3E-DFE6-7BC2-A35A-3523FA2C311F}"/>
                 </a:ext>
               </a:extLst>
             </p:cNvPr>
@@ -7662,7 +7698,7 @@
             <p:cNvPr id="37" name="모서리가 둥근 직사각형 6">
               <a:extLst>
                 <a:ext uri="{FF2B5EF4-FFF2-40B4-BE49-F238E27FC236}">
-                  <a16:creationId xmlns="" xmlns:a16="http://schemas.microsoft.com/office/drawing/2014/main" id="{97703E3C-612F-109C-811B-F339E503EE52}"/>
+                  <a16:creationId xmlns:a16="http://schemas.microsoft.com/office/drawing/2014/main" xmlns="" id="{97703E3C-612F-109C-811B-F339E503EE52}"/>
                 </a:ext>
               </a:extLst>
             </p:cNvPr>
@@ -7722,7 +7758,7 @@
             <p:cNvPr id="38" name="모서리가 둥근 직사각형 8">
               <a:extLst>
                 <a:ext uri="{FF2B5EF4-FFF2-40B4-BE49-F238E27FC236}">
-                  <a16:creationId xmlns="" xmlns:a16="http://schemas.microsoft.com/office/drawing/2014/main" id="{36FDCFAA-2CB9-6314-E6FD-CEECBA7C5D34}"/>
+                  <a16:creationId xmlns:a16="http://schemas.microsoft.com/office/drawing/2014/main" xmlns="" id="{36FDCFAA-2CB9-6314-E6FD-CEECBA7C5D34}"/>
                 </a:ext>
               </a:extLst>
             </p:cNvPr>
@@ -7802,7 +7838,7 @@
             <p:cNvPr id="39" name="모서리가 둥근 직사각형 10">
               <a:extLst>
                 <a:ext uri="{FF2B5EF4-FFF2-40B4-BE49-F238E27FC236}">
-                  <a16:creationId xmlns="" xmlns:a16="http://schemas.microsoft.com/office/drawing/2014/main" id="{586C78B3-888F-B2E0-7576-F676F4161C48}"/>
+                  <a16:creationId xmlns:a16="http://schemas.microsoft.com/office/drawing/2014/main" xmlns="" id="{586C78B3-888F-B2E0-7576-F676F4161C48}"/>
                 </a:ext>
               </a:extLst>
             </p:cNvPr>
@@ -7882,7 +7918,7 @@
             <p:cNvPr id="40" name="모서리가 둥근 직사각형 11">
               <a:extLst>
                 <a:ext uri="{FF2B5EF4-FFF2-40B4-BE49-F238E27FC236}">
-                  <a16:creationId xmlns="" xmlns:a16="http://schemas.microsoft.com/office/drawing/2014/main" id="{5363DB56-38C0-57FA-886D-C7D1E1CD8750}"/>
+                  <a16:creationId xmlns:a16="http://schemas.microsoft.com/office/drawing/2014/main" xmlns="" id="{5363DB56-38C0-57FA-886D-C7D1E1CD8750}"/>
                 </a:ext>
               </a:extLst>
             </p:cNvPr>
@@ -7949,7 +7985,7 @@
             <p:cNvPr id="41" name="모서리가 둥근 직사각형 12">
               <a:extLst>
                 <a:ext uri="{FF2B5EF4-FFF2-40B4-BE49-F238E27FC236}">
-                  <a16:creationId xmlns="" xmlns:a16="http://schemas.microsoft.com/office/drawing/2014/main" id="{EC278151-C225-13F6-78A7-92128C017B22}"/>
+                  <a16:creationId xmlns:a16="http://schemas.microsoft.com/office/drawing/2014/main" xmlns="" id="{EC278151-C225-13F6-78A7-92128C017B22}"/>
                 </a:ext>
               </a:extLst>
             </p:cNvPr>
@@ -8009,7 +8045,7 @@
             <p:cNvPr id="42" name="모서리가 둥근 직사각형 13">
               <a:extLst>
                 <a:ext uri="{FF2B5EF4-FFF2-40B4-BE49-F238E27FC236}">
-                  <a16:creationId xmlns="" xmlns:a16="http://schemas.microsoft.com/office/drawing/2014/main" id="{A56C6B9D-76E5-E8A6-DE70-F4BDA74D9135}"/>
+                  <a16:creationId xmlns:a16="http://schemas.microsoft.com/office/drawing/2014/main" xmlns="" id="{A56C6B9D-76E5-E8A6-DE70-F4BDA74D9135}"/>
                 </a:ext>
               </a:extLst>
             </p:cNvPr>
@@ -8112,7 +8148,7 @@
             <p:cNvPr id="43" name="모서리가 둥근 직사각형 16">
               <a:extLst>
                 <a:ext uri="{FF2B5EF4-FFF2-40B4-BE49-F238E27FC236}">
-                  <a16:creationId xmlns="" xmlns:a16="http://schemas.microsoft.com/office/drawing/2014/main" id="{8F2DC483-007A-9B32-7D1F-2EDD0D484B40}"/>
+                  <a16:creationId xmlns:a16="http://schemas.microsoft.com/office/drawing/2014/main" xmlns="" id="{8F2DC483-007A-9B32-7D1F-2EDD0D484B40}"/>
                 </a:ext>
               </a:extLst>
             </p:cNvPr>
@@ -8179,7 +8215,7 @@
             <p:cNvPr id="44" name="모서리가 둥근 직사각형 19">
               <a:extLst>
                 <a:ext uri="{FF2B5EF4-FFF2-40B4-BE49-F238E27FC236}">
-                  <a16:creationId xmlns="" xmlns:a16="http://schemas.microsoft.com/office/drawing/2014/main" id="{8928BAF2-6E5A-4E75-7F85-31E1AE48ACC1}"/>
+                  <a16:creationId xmlns:a16="http://schemas.microsoft.com/office/drawing/2014/main" xmlns="" id="{8928BAF2-6E5A-4E75-7F85-31E1AE48ACC1}"/>
                 </a:ext>
               </a:extLst>
             </p:cNvPr>
@@ -8279,7 +8315,7 @@
             <p:cNvPr id="45" name="모서리가 둥근 직사각형 21">
               <a:extLst>
                 <a:ext uri="{FF2B5EF4-FFF2-40B4-BE49-F238E27FC236}">
-                  <a16:creationId xmlns="" xmlns:a16="http://schemas.microsoft.com/office/drawing/2014/main" id="{4930F3FF-C674-97C9-2DC8-A56608AA2DD9}"/>
+                  <a16:creationId xmlns:a16="http://schemas.microsoft.com/office/drawing/2014/main" xmlns="" id="{4930F3FF-C674-97C9-2DC8-A56608AA2DD9}"/>
                 </a:ext>
               </a:extLst>
             </p:cNvPr>
@@ -8352,14 +8388,14 @@
                 <a:t>센터 </a:t>
               </a:r>
               <a:r>
-                <a:rPr lang="ko-KR" altLang="en-US" sz="1400" dirty="0" err="1" smtClean="0">
+                <a:rPr lang="ko-KR" altLang="en-US" sz="1400" dirty="0" smtClean="0">
                   <a:solidFill>
                     <a:sysClr val="windowText" lastClr="000000"/>
                   </a:solidFill>
                   <a:latin typeface="맑은 고딕" panose="020B0503020000020004" pitchFamily="50" charset="-127"/>
                   <a:ea typeface="맑은 고딕" panose="020B0503020000020004" pitchFamily="50" charset="-127"/>
                 </a:rPr>
-                <a:t>정ㅂ</a:t>
+                <a:t>정보</a:t>
               </a:r>
               <a:endParaRPr lang="en-US" altLang="ko-KR" sz="1400" dirty="0" smtClean="0">
                 <a:solidFill>
@@ -8376,7 +8412,7 @@
             <p:cNvPr id="46" name="모서리가 둥근 직사각형 22">
               <a:extLst>
                 <a:ext uri="{FF2B5EF4-FFF2-40B4-BE49-F238E27FC236}">
-                  <a16:creationId xmlns="" xmlns:a16="http://schemas.microsoft.com/office/drawing/2014/main" id="{9D5A0F2F-6046-80C7-96D1-B2E406972C32}"/>
+                  <a16:creationId xmlns:a16="http://schemas.microsoft.com/office/drawing/2014/main" xmlns="" id="{9D5A0F2F-6046-80C7-96D1-B2E406972C32}"/>
                 </a:ext>
               </a:extLst>
             </p:cNvPr>
@@ -8463,7 +8499,7 @@
             <p:cNvPr id="47" name="모서리가 둥근 직사각형 23">
               <a:extLst>
                 <a:ext uri="{FF2B5EF4-FFF2-40B4-BE49-F238E27FC236}">
-                  <a16:creationId xmlns="" xmlns:a16="http://schemas.microsoft.com/office/drawing/2014/main" id="{ACABA39D-A988-0621-6535-70FAC75CF5C0}"/>
+                  <a16:creationId xmlns:a16="http://schemas.microsoft.com/office/drawing/2014/main" xmlns="" id="{ACABA39D-A988-0621-6535-70FAC75CF5C0}"/>
                 </a:ext>
               </a:extLst>
             </p:cNvPr>
@@ -8524,7 +8560,7 @@
           <p:cNvPr id="34" name="모서리가 둥근 직사각형 13">
             <a:extLst>
               <a:ext uri="{FF2B5EF4-FFF2-40B4-BE49-F238E27FC236}">
-                <a16:creationId xmlns="" xmlns:a16="http://schemas.microsoft.com/office/drawing/2014/main" id="{A56C6B9D-76E5-E8A6-DE70-F4BDA74D9135}"/>
+                <a16:creationId xmlns:a16="http://schemas.microsoft.com/office/drawing/2014/main" xmlns="" id="{A56C6B9D-76E5-E8A6-DE70-F4BDA74D9135}"/>
               </a:ext>
             </a:extLst>
           </p:cNvPr>
@@ -9155,7 +9191,7 @@
           <p:cNvPr id="87" name="사각형: 둥근 모서리 4">
             <a:extLst>
               <a:ext uri="{FF2B5EF4-FFF2-40B4-BE49-F238E27FC236}">
-                <a16:creationId xmlns="" xmlns:a16="http://schemas.microsoft.com/office/drawing/2014/main" id="{ABC0E14A-3394-B428-5DF8-6934FA3A4852}"/>
+                <a16:creationId xmlns:a16="http://schemas.microsoft.com/office/drawing/2014/main" xmlns="" id="{ABC0E14A-3394-B428-5DF8-6934FA3A4852}"/>
               </a:ext>
             </a:extLst>
           </p:cNvPr>
@@ -9230,7 +9266,7 @@
           <p:cNvPr id="4" name="그림 3">
             <a:extLst>
               <a:ext uri="{FF2B5EF4-FFF2-40B4-BE49-F238E27FC236}">
-                <a16:creationId xmlns="" xmlns:a16="http://schemas.microsoft.com/office/drawing/2014/main" id="{2355BAA8-DE16-61BB-3467-D5CA9A8176CF}"/>
+                <a16:creationId xmlns:a16="http://schemas.microsoft.com/office/drawing/2014/main" xmlns="" id="{2355BAA8-DE16-61BB-3467-D5CA9A8176CF}"/>
               </a:ext>
             </a:extLst>
           </p:cNvPr>
@@ -9260,7 +9296,7 @@
           <p:cNvPr id="88" name="TextBox 87">
             <a:extLst>
               <a:ext uri="{FF2B5EF4-FFF2-40B4-BE49-F238E27FC236}">
-                <a16:creationId xmlns="" xmlns:a16="http://schemas.microsoft.com/office/drawing/2014/main" id="{8D66C7A6-0A35-64F8-B61A-7A9E4B777A33}"/>
+                <a16:creationId xmlns:a16="http://schemas.microsoft.com/office/drawing/2014/main" xmlns="" id="{8D66C7A6-0A35-64F8-B61A-7A9E4B777A33}"/>
               </a:ext>
             </a:extLst>
           </p:cNvPr>
@@ -9496,7 +9532,7 @@
           <p:cNvPr id="89" name="직사각형 88">
             <a:extLst>
               <a:ext uri="{FF2B5EF4-FFF2-40B4-BE49-F238E27FC236}">
-                <a16:creationId xmlns="" xmlns:a16="http://schemas.microsoft.com/office/drawing/2014/main" id="{16906754-6D57-5A2B-71EA-0E1FA466505C}"/>
+                <a16:creationId xmlns:a16="http://schemas.microsoft.com/office/drawing/2014/main" xmlns="" id="{16906754-6D57-5A2B-71EA-0E1FA466505C}"/>
               </a:ext>
             </a:extLst>
           </p:cNvPr>
@@ -10184,7 +10220,7 @@
           <p:cNvPr id="87" name="사각형: 둥근 모서리 4">
             <a:extLst>
               <a:ext uri="{FF2B5EF4-FFF2-40B4-BE49-F238E27FC236}">
-                <a16:creationId xmlns="" xmlns:a16="http://schemas.microsoft.com/office/drawing/2014/main" id="{ABC0E14A-3394-B428-5DF8-6934FA3A4852}"/>
+                <a16:creationId xmlns:a16="http://schemas.microsoft.com/office/drawing/2014/main" xmlns="" id="{ABC0E14A-3394-B428-5DF8-6934FA3A4852}"/>
               </a:ext>
             </a:extLst>
           </p:cNvPr>
@@ -10246,7 +10282,7 @@
           <p:cNvPr id="80" name="표 79">
             <a:extLst>
               <a:ext uri="{FF2B5EF4-FFF2-40B4-BE49-F238E27FC236}">
-                <a16:creationId xmlns="" xmlns:a16="http://schemas.microsoft.com/office/drawing/2014/main" id="{2B6DA84A-3AC5-4D5E-A222-8FF25589DB45}"/>
+                <a16:creationId xmlns:a16="http://schemas.microsoft.com/office/drawing/2014/main" xmlns="" id="{2B6DA84A-3AC5-4D5E-A222-8FF25589DB45}"/>
               </a:ext>
             </a:extLst>
           </p:cNvPr>
@@ -10275,28 +10311,28 @@
                 <a:gridCol w="1118824">
                   <a:extLst>
                     <a:ext uri="{9D8B030D-6E8A-4147-A177-3AD203B41FA5}">
-                      <a16:colId xmlns="" xmlns:a16="http://schemas.microsoft.com/office/drawing/2014/main" val="20000"/>
+                      <a16:colId xmlns:a16="http://schemas.microsoft.com/office/drawing/2014/main" xmlns="" val="20000"/>
                     </a:ext>
                   </a:extLst>
                 </a:gridCol>
                 <a:gridCol w="4393495">
                   <a:extLst>
                     <a:ext uri="{9D8B030D-6E8A-4147-A177-3AD203B41FA5}">
-                      <a16:colId xmlns="" xmlns:a16="http://schemas.microsoft.com/office/drawing/2014/main" val="20001"/>
+                      <a16:colId xmlns:a16="http://schemas.microsoft.com/office/drawing/2014/main" xmlns="" val="20001"/>
                     </a:ext>
                   </a:extLst>
                 </a:gridCol>
                 <a:gridCol w="2661240">
                   <a:extLst>
                     <a:ext uri="{9D8B030D-6E8A-4147-A177-3AD203B41FA5}">
-                      <a16:colId xmlns="" xmlns:a16="http://schemas.microsoft.com/office/drawing/2014/main" val="20002"/>
+                      <a16:colId xmlns:a16="http://schemas.microsoft.com/office/drawing/2014/main" xmlns="" val="20002"/>
                     </a:ext>
                   </a:extLst>
                 </a:gridCol>
                 <a:gridCol w="2043390">
                   <a:extLst>
                     <a:ext uri="{9D8B030D-6E8A-4147-A177-3AD203B41FA5}">
-                      <a16:colId xmlns="" xmlns:a16="http://schemas.microsoft.com/office/drawing/2014/main" val="20003"/>
+                      <a16:colId xmlns:a16="http://schemas.microsoft.com/office/drawing/2014/main" xmlns="" val="20003"/>
                     </a:ext>
                   </a:extLst>
                 </a:gridCol>
@@ -10376,7 +10412,7 @@
                 </a:tc>
                 <a:extLst>
                   <a:ext uri="{0D108BD9-81ED-4DB2-BD59-A6C34878D82A}">
-                    <a16:rowId xmlns="" xmlns:a16="http://schemas.microsoft.com/office/drawing/2014/main" val="10000"/>
+                    <a16:rowId xmlns:a16="http://schemas.microsoft.com/office/drawing/2014/main" xmlns="" val="10000"/>
                   </a:ext>
                 </a:extLst>
               </a:tr>
@@ -10498,7 +10534,7 @@
                 </a:tc>
                 <a:extLst>
                   <a:ext uri="{0D108BD9-81ED-4DB2-BD59-A6C34878D82A}">
-                    <a16:rowId xmlns="" xmlns:a16="http://schemas.microsoft.com/office/drawing/2014/main" val="10001"/>
+                    <a16:rowId xmlns:a16="http://schemas.microsoft.com/office/drawing/2014/main" xmlns="" val="10001"/>
                   </a:ext>
                 </a:extLst>
               </a:tr>
@@ -10626,7 +10662,7 @@
                 </a:tc>
                 <a:extLst>
                   <a:ext uri="{0D108BD9-81ED-4DB2-BD59-A6C34878D82A}">
-                    <a16:rowId xmlns="" xmlns:a16="http://schemas.microsoft.com/office/drawing/2014/main" val="10002"/>
+                    <a16:rowId xmlns:a16="http://schemas.microsoft.com/office/drawing/2014/main" xmlns="" val="10002"/>
                   </a:ext>
                 </a:extLst>
               </a:tr>
@@ -10805,7 +10841,7 @@
                 </a:tc>
                 <a:extLst>
                   <a:ext uri="{0D108BD9-81ED-4DB2-BD59-A6C34878D82A}">
-                    <a16:rowId xmlns="" xmlns:a16="http://schemas.microsoft.com/office/drawing/2014/main" val="10003"/>
+                    <a16:rowId xmlns:a16="http://schemas.microsoft.com/office/drawing/2014/main" xmlns="" val="10003"/>
                   </a:ext>
                 </a:extLst>
               </a:tr>
@@ -10918,7 +10954,7 @@
                 </a:tc>
                 <a:extLst>
                   <a:ext uri="{0D108BD9-81ED-4DB2-BD59-A6C34878D82A}">
-                    <a16:rowId xmlns="" xmlns:a16="http://schemas.microsoft.com/office/drawing/2014/main" val="10004"/>
+                    <a16:rowId xmlns:a16="http://schemas.microsoft.com/office/drawing/2014/main" xmlns="" val="10004"/>
                   </a:ext>
                 </a:extLst>
               </a:tr>
@@ -11073,7 +11109,7 @@
                 </a:tc>
                 <a:extLst>
                   <a:ext uri="{0D108BD9-81ED-4DB2-BD59-A6C34878D82A}">
-                    <a16:rowId xmlns="" xmlns:a16="http://schemas.microsoft.com/office/drawing/2014/main" val="10005"/>
+                    <a16:rowId xmlns:a16="http://schemas.microsoft.com/office/drawing/2014/main" xmlns="" val="10005"/>
                   </a:ext>
                 </a:extLst>
               </a:tr>
@@ -11642,7 +11678,7 @@
           <p:cNvPr id="87" name="사각형: 둥근 모서리 4">
             <a:extLst>
               <a:ext uri="{FF2B5EF4-FFF2-40B4-BE49-F238E27FC236}">
-                <a16:creationId xmlns="" xmlns:a16="http://schemas.microsoft.com/office/drawing/2014/main" id="{ABC0E14A-3394-B428-5DF8-6934FA3A4852}"/>
+                <a16:creationId xmlns:a16="http://schemas.microsoft.com/office/drawing/2014/main" xmlns="" id="{ABC0E14A-3394-B428-5DF8-6934FA3A4852}"/>
               </a:ext>
             </a:extLst>
           </p:cNvPr>
@@ -12265,7 +12301,7 @@
           <p:cNvPr id="87" name="사각형: 둥근 모서리 4">
             <a:extLst>
               <a:ext uri="{FF2B5EF4-FFF2-40B4-BE49-F238E27FC236}">
-                <a16:creationId xmlns="" xmlns:a16="http://schemas.microsoft.com/office/drawing/2014/main" id="{ABC0E14A-3394-B428-5DF8-6934FA3A4852}"/>
+                <a16:creationId xmlns:a16="http://schemas.microsoft.com/office/drawing/2014/main" xmlns="" id="{ABC0E14A-3394-B428-5DF8-6934FA3A4852}"/>
               </a:ext>
             </a:extLst>
           </p:cNvPr>

--- a/finalproject/중간발표.pptx
+++ b/finalproject/중간발표.pptx
@@ -3775,20 +3775,12 @@
               <a:t> </a:t>
             </a:r>
             <a:r>
-              <a:rPr lang="ko-KR" altLang="en-US" sz="4000" b="1" dirty="0" smtClean="0">
+              <a:rPr lang="ko-KR" altLang="en-US" sz="4000" b="1" dirty="0">
                 <a:solidFill>
                   <a:srgbClr val="FEFDA3"/>
                 </a:solidFill>
               </a:rPr>
-              <a:t>중간 </a:t>
-            </a:r>
-            <a:r>
-              <a:rPr lang="ko-KR" altLang="en-US" sz="4000" b="1" dirty="0">
-                <a:solidFill>
-                  <a:srgbClr val="FEFDA3"/>
-                </a:solidFill>
-              </a:rPr>
-              <a:t>발표</a:t>
+              <a:t>중간 발표</a:t>
             </a:r>
             <a:endParaRPr lang="en-US" altLang="ko-KR" sz="4000" b="1" dirty="0">
               <a:solidFill>
@@ -3949,7 +3941,7 @@
           <p:cNvPr id="1026" name="Picture 2" descr="Free vector graphics of Virus">
             <a:extLst>
               <a:ext uri="{FF2B5EF4-FFF2-40B4-BE49-F238E27FC236}">
-                <a16:creationId xmlns:a16="http://schemas.microsoft.com/office/drawing/2014/main" xmlns="" id="{2E66E7FB-AF78-6282-2622-8A69024ABBCD}"/>
+                <a16:creationId xmlns:a16="http://schemas.microsoft.com/office/drawing/2014/main" id="{2E66E7FB-AF78-6282-2622-8A69024ABBCD}"/>
               </a:ext>
             </a:extLst>
           </p:cNvPr>
@@ -3999,13 +3991,6 @@
   <p:clrMapOvr>
     <a:masterClrMapping/>
   </p:clrMapOvr>
-  <p:timing>
-    <p:tnLst>
-      <p:par>
-        <p:cTn id="1" dur="indefinite" restart="never" nodeType="tmRoot"/>
-      </p:par>
-    </p:tnLst>
-  </p:timing>
 </p:sld>
 </file>
 
@@ -4705,7 +4690,7 @@
           <p:cNvPr id="3" name="그룹 2">
             <a:extLst>
               <a:ext uri="{FF2B5EF4-FFF2-40B4-BE49-F238E27FC236}">
-                <a16:creationId xmlns:a16="http://schemas.microsoft.com/office/drawing/2014/main" xmlns="" id="{8E6B82F7-9A0E-000C-C1D4-4E3E6FB5B081}"/>
+                <a16:creationId xmlns:a16="http://schemas.microsoft.com/office/drawing/2014/main" id="{8E6B82F7-9A0E-000C-C1D4-4E3E6FB5B081}"/>
               </a:ext>
             </a:extLst>
           </p:cNvPr>
@@ -4868,27 +4853,8 @@
                     </a:prstClr>
                   </a:solidFill>
                 </a:rPr>
-                <a:t>개발 </a:t>
+                <a:t>개발 진행 상황</a:t>
               </a:r>
-              <a:r>
-                <a:rPr lang="ko-KR" altLang="en-US" b="1" dirty="0" smtClean="0">
-                  <a:solidFill>
-                    <a:prstClr val="black">
-                      <a:lumMod val="65000"/>
-                      <a:lumOff val="35000"/>
-                    </a:prstClr>
-                  </a:solidFill>
-                </a:rPr>
-                <a:t>진행 상황</a:t>
-              </a:r>
-              <a:endParaRPr lang="ko-KR" altLang="en-US" b="1" dirty="0">
-                <a:solidFill>
-                  <a:prstClr val="black">
-                    <a:lumMod val="65000"/>
-                    <a:lumOff val="35000"/>
-                  </a:prstClr>
-                </a:solidFill>
-              </a:endParaRPr>
             </a:p>
           </p:txBody>
         </p:sp>
@@ -5076,7 +5042,7 @@
                 </a:lnSpc>
               </a:pPr>
               <a:r>
-                <a:rPr lang="ko-KR" altLang="en-US" b="1" dirty="0" smtClean="0">
+                <a:rPr lang="ko-KR" altLang="en-US" b="1" dirty="0">
                   <a:solidFill>
                     <a:prstClr val="black">
                       <a:lumMod val="65000"/>
@@ -5086,14 +5052,6 @@
                 </a:rPr>
                 <a:t>프로그램 시연</a:t>
               </a:r>
-              <a:endParaRPr lang="ko-KR" altLang="en-US" b="1" dirty="0">
-                <a:solidFill>
-                  <a:prstClr val="black">
-                    <a:lumMod val="65000"/>
-                    <a:lumOff val="35000"/>
-                  </a:prstClr>
-                </a:solidFill>
-              </a:endParaRPr>
             </a:p>
           </p:txBody>
         </p:sp>
@@ -5140,7 +5098,7 @@
           <p:cNvPr id="42" name="직사각형 41">
             <a:extLst>
               <a:ext uri="{FF2B5EF4-FFF2-40B4-BE49-F238E27FC236}">
-                <a16:creationId xmlns:a16="http://schemas.microsoft.com/office/drawing/2014/main" xmlns="" id="{1C35A5F8-6249-6FD4-45CC-97027408B2C1}"/>
+                <a16:creationId xmlns:a16="http://schemas.microsoft.com/office/drawing/2014/main" id="{1C35A5F8-6249-6FD4-45CC-97027408B2C1}"/>
               </a:ext>
             </a:extLst>
           </p:cNvPr>
@@ -5168,7 +5126,7 @@
               </a:lnSpc>
             </a:pPr>
             <a:r>
-              <a:rPr lang="ko-KR" altLang="en-US" b="1" dirty="0" err="1" smtClean="0">
+              <a:rPr lang="ko-KR" altLang="en-US" b="1" dirty="0" err="1">
                 <a:solidFill>
                   <a:schemeClr val="tx1">
                     <a:lumMod val="75000"/>
@@ -5179,7 +5137,7 @@
               <a:t>코비피디아</a:t>
             </a:r>
             <a:r>
-              <a:rPr lang="ko-KR" altLang="en-US" b="1" dirty="0" smtClean="0">
+              <a:rPr lang="ko-KR" altLang="en-US" b="1" dirty="0">
                 <a:solidFill>
                   <a:schemeClr val="tx1">
                     <a:lumMod val="75000"/>
@@ -5190,7 +5148,7 @@
               <a:t> </a:t>
             </a:r>
             <a:r>
-              <a:rPr lang="en-US" altLang="ko-KR" b="1" dirty="0" smtClean="0">
+              <a:rPr lang="en-US" altLang="ko-KR" b="1" dirty="0">
                 <a:solidFill>
                   <a:schemeClr val="tx1">
                     <a:lumMod val="75000"/>
@@ -5201,7 +5159,7 @@
               <a:t>(</a:t>
             </a:r>
             <a:r>
-              <a:rPr lang="en-US" altLang="ko-KR" b="1" dirty="0" err="1" smtClean="0">
+              <a:rPr lang="en-US" altLang="ko-KR" b="1" dirty="0" err="1">
                 <a:solidFill>
                   <a:schemeClr val="tx1">
                     <a:lumMod val="75000"/>
@@ -5238,7 +5196,7 @@
           <p:cNvPr id="46" name="그룹 45">
             <a:extLst>
               <a:ext uri="{FF2B5EF4-FFF2-40B4-BE49-F238E27FC236}">
-                <a16:creationId xmlns:a16="http://schemas.microsoft.com/office/drawing/2014/main" xmlns="" id="{7170CF3E-EE38-57BA-F629-EF036AC1D9A0}"/>
+                <a16:creationId xmlns:a16="http://schemas.microsoft.com/office/drawing/2014/main" id="{7170CF3E-EE38-57BA-F629-EF036AC1D9A0}"/>
               </a:ext>
             </a:extLst>
           </p:cNvPr>
@@ -5258,7 +5216,7 @@
             <p:cNvPr id="47" name="모서리가 둥근 직사각형 27">
               <a:extLst>
                 <a:ext uri="{FF2B5EF4-FFF2-40B4-BE49-F238E27FC236}">
-                  <a16:creationId xmlns:a16="http://schemas.microsoft.com/office/drawing/2014/main" xmlns="" id="{96F80A84-637E-D88D-0ECF-D3E76DEE6CE2}"/>
+                  <a16:creationId xmlns:a16="http://schemas.microsoft.com/office/drawing/2014/main" id="{96F80A84-637E-D88D-0ECF-D3E76DEE6CE2}"/>
                 </a:ext>
               </a:extLst>
             </p:cNvPr>
@@ -5324,7 +5282,7 @@
             <p:cNvPr id="48" name="양쪽 모서리가 둥근 사각형 28">
               <a:extLst>
                 <a:ext uri="{FF2B5EF4-FFF2-40B4-BE49-F238E27FC236}">
-                  <a16:creationId xmlns:a16="http://schemas.microsoft.com/office/drawing/2014/main" xmlns="" id="{6BB7FF55-201E-570A-C560-CAE98F74C9D1}"/>
+                  <a16:creationId xmlns:a16="http://schemas.microsoft.com/office/drawing/2014/main" id="{6BB7FF55-201E-570A-C560-CAE98F74C9D1}"/>
                 </a:ext>
               </a:extLst>
             </p:cNvPr>
@@ -5383,7 +5341,7 @@
             <p:cNvPr id="49" name="직사각형 48">
               <a:extLst>
                 <a:ext uri="{FF2B5EF4-FFF2-40B4-BE49-F238E27FC236}">
-                  <a16:creationId xmlns:a16="http://schemas.microsoft.com/office/drawing/2014/main" xmlns="" id="{5E2ABBE1-2C4E-3328-9CD7-3FF887F97CAC}"/>
+                  <a16:creationId xmlns:a16="http://schemas.microsoft.com/office/drawing/2014/main" id="{5E2ABBE1-2C4E-3328-9CD7-3FF887F97CAC}"/>
                 </a:ext>
               </a:extLst>
             </p:cNvPr>
@@ -5411,7 +5369,7 @@
                 </a:lnSpc>
               </a:pPr>
               <a:r>
-                <a:rPr lang="ko-KR" altLang="en-US" b="1" dirty="0" smtClean="0">
+                <a:rPr lang="ko-KR" altLang="en-US" b="1" dirty="0">
                   <a:solidFill>
                     <a:prstClr val="black">
                       <a:lumMod val="65000"/>
@@ -5440,7 +5398,7 @@
             <p:cNvPr id="50" name="직사각형 49">
               <a:extLst>
                 <a:ext uri="{FF2B5EF4-FFF2-40B4-BE49-F238E27FC236}">
-                  <a16:creationId xmlns:a16="http://schemas.microsoft.com/office/drawing/2014/main" xmlns="" id="{D5AFF518-A4E1-32F3-4B87-DEC0B24556AD}"/>
+                  <a16:creationId xmlns:a16="http://schemas.microsoft.com/office/drawing/2014/main" id="{D5AFF518-A4E1-32F3-4B87-DEC0B24556AD}"/>
                 </a:ext>
               </a:extLst>
             </p:cNvPr>
@@ -5484,7 +5442,7 @@
           <p:cNvPr id="51" name="그룹 50">
             <a:extLst>
               <a:ext uri="{FF2B5EF4-FFF2-40B4-BE49-F238E27FC236}">
-                <a16:creationId xmlns:a16="http://schemas.microsoft.com/office/drawing/2014/main" xmlns="" id="{AA042848-D155-E16A-2DE8-FA0D4B05F543}"/>
+                <a16:creationId xmlns:a16="http://schemas.microsoft.com/office/drawing/2014/main" id="{AA042848-D155-E16A-2DE8-FA0D4B05F543}"/>
               </a:ext>
             </a:extLst>
           </p:cNvPr>
@@ -5504,7 +5462,7 @@
             <p:cNvPr id="52" name="모서리가 둥근 직사각형 27">
               <a:extLst>
                 <a:ext uri="{FF2B5EF4-FFF2-40B4-BE49-F238E27FC236}">
-                  <a16:creationId xmlns:a16="http://schemas.microsoft.com/office/drawing/2014/main" xmlns="" id="{B1F3AF7F-F1CC-9E4B-663E-FE700E030981}"/>
+                  <a16:creationId xmlns:a16="http://schemas.microsoft.com/office/drawing/2014/main" id="{B1F3AF7F-F1CC-9E4B-663E-FE700E030981}"/>
                 </a:ext>
               </a:extLst>
             </p:cNvPr>
@@ -5570,7 +5528,7 @@
             <p:cNvPr id="53" name="양쪽 모서리가 둥근 사각형 28">
               <a:extLst>
                 <a:ext uri="{FF2B5EF4-FFF2-40B4-BE49-F238E27FC236}">
-                  <a16:creationId xmlns:a16="http://schemas.microsoft.com/office/drawing/2014/main" xmlns="" id="{F2D18B2A-D721-099F-DEF7-D872FB0BFDE7}"/>
+                  <a16:creationId xmlns:a16="http://schemas.microsoft.com/office/drawing/2014/main" id="{F2D18B2A-D721-099F-DEF7-D872FB0BFDE7}"/>
                 </a:ext>
               </a:extLst>
             </p:cNvPr>
@@ -5629,7 +5587,7 @@
             <p:cNvPr id="54" name="직사각형 53">
               <a:extLst>
                 <a:ext uri="{FF2B5EF4-FFF2-40B4-BE49-F238E27FC236}">
-                  <a16:creationId xmlns:a16="http://schemas.microsoft.com/office/drawing/2014/main" xmlns="" id="{5035D9FC-6E18-FCA2-1527-BC780EFABDA8}"/>
+                  <a16:creationId xmlns:a16="http://schemas.microsoft.com/office/drawing/2014/main" id="{5035D9FC-6E18-FCA2-1527-BC780EFABDA8}"/>
                 </a:ext>
               </a:extLst>
             </p:cNvPr>
@@ -5657,17 +5615,6 @@
                 </a:lnSpc>
               </a:pPr>
               <a:r>
-                <a:rPr lang="ko-KR" altLang="en-US" b="1" dirty="0" smtClean="0">
-                  <a:solidFill>
-                    <a:prstClr val="black">
-                      <a:lumMod val="65000"/>
-                      <a:lumOff val="35000"/>
-                    </a:prstClr>
-                  </a:solidFill>
-                </a:rPr>
-                <a:t>프로그램 </a:t>
-              </a:r>
-              <a:r>
                 <a:rPr lang="ko-KR" altLang="en-US" b="1" dirty="0">
                   <a:solidFill>
                     <a:prstClr val="black">
@@ -5676,7 +5623,7 @@
                     </a:prstClr>
                   </a:solidFill>
                 </a:rPr>
-                <a:t>기능소개</a:t>
+                <a:t>프로그램 기능소개</a:t>
               </a:r>
             </a:p>
             <a:p>
@@ -5701,7 +5648,7 @@
             <p:cNvPr id="55" name="직사각형 54">
               <a:extLst>
                 <a:ext uri="{FF2B5EF4-FFF2-40B4-BE49-F238E27FC236}">
-                  <a16:creationId xmlns:a16="http://schemas.microsoft.com/office/drawing/2014/main" xmlns="" id="{C38B3D7A-DF54-9439-306F-3DE1EFF23E18}"/>
+                  <a16:creationId xmlns:a16="http://schemas.microsoft.com/office/drawing/2014/main" id="{C38B3D7A-DF54-9439-306F-3DE1EFF23E18}"/>
                 </a:ext>
               </a:extLst>
             </p:cNvPr>
@@ -5745,7 +5692,7 @@
           <p:cNvPr id="2050" name="Picture 2" descr="Free vector graphics of Covid19">
             <a:extLst>
               <a:ext uri="{FF2B5EF4-FFF2-40B4-BE49-F238E27FC236}">
-                <a16:creationId xmlns:a16="http://schemas.microsoft.com/office/drawing/2014/main" xmlns="" id="{BB2F96AC-AE8A-F758-9E37-91C0407FF160}"/>
+                <a16:creationId xmlns:a16="http://schemas.microsoft.com/office/drawing/2014/main" id="{BB2F96AC-AE8A-F758-9E37-91C0407FF160}"/>
               </a:ext>
             </a:extLst>
           </p:cNvPr>
@@ -5933,7 +5880,7 @@
                 </a:lnSpc>
               </a:pPr>
               <a:r>
-                <a:rPr lang="en-US" altLang="ko-KR" b="1" dirty="0" err="1" smtClean="0">
+                <a:rPr lang="en-US" altLang="ko-KR" b="1" dirty="0" err="1">
                   <a:solidFill>
                     <a:prstClr val="black">
                       <a:lumMod val="65000"/>
@@ -5944,7 +5891,7 @@
                 <a:t>Git</a:t>
               </a:r>
               <a:r>
-                <a:rPr lang="en-US" altLang="ko-KR" b="1" dirty="0" smtClean="0">
+                <a:rPr lang="en-US" altLang="ko-KR" b="1" dirty="0">
                   <a:solidFill>
                     <a:prstClr val="black">
                       <a:lumMod val="65000"/>
@@ -5955,7 +5902,7 @@
                 <a:t> Commit </a:t>
               </a:r>
               <a:r>
-                <a:rPr lang="ko-KR" altLang="en-US" b="1" dirty="0" smtClean="0">
+                <a:rPr lang="ko-KR" altLang="en-US" b="1" dirty="0">
                   <a:solidFill>
                     <a:prstClr val="black">
                       <a:lumMod val="65000"/>
@@ -5965,14 +5912,6 @@
                 </a:rPr>
                 <a:t>현황</a:t>
               </a:r>
-              <a:endParaRPr lang="ko-KR" altLang="en-US" b="1" dirty="0">
-                <a:solidFill>
-                  <a:prstClr val="black">
-                    <a:lumMod val="65000"/>
-                    <a:lumOff val="35000"/>
-                  </a:prstClr>
-                </a:solidFill>
-              </a:endParaRPr>
             </a:p>
           </p:txBody>
         </p:sp>
@@ -5998,7 +5937,7 @@
             <a:lstStyle/>
             <a:p>
               <a:r>
-                <a:rPr lang="en-US" altLang="ko-KR" sz="1600" b="1" dirty="0" smtClean="0">
+                <a:rPr lang="en-US" altLang="ko-KR" sz="1600" b="1" dirty="0">
                   <a:solidFill>
                     <a:prstClr val="white"/>
                   </a:solidFill>
@@ -6024,13 +5963,6 @@
   <p:clrMapOvr>
     <a:masterClrMapping/>
   </p:clrMapOvr>
-  <p:timing>
-    <p:tnLst>
-      <p:par>
-        <p:cTn id="1" dur="indefinite" restart="never" nodeType="tmRoot"/>
-      </p:par>
-    </p:tnLst>
-  </p:timing>
 </p:sld>
 </file>
 
@@ -6583,7 +6515,7 @@
           <p:cNvPr id="80" name="사각형: 둥근 모서리 4">
             <a:extLst>
               <a:ext uri="{FF2B5EF4-FFF2-40B4-BE49-F238E27FC236}">
-                <a16:creationId xmlns:a16="http://schemas.microsoft.com/office/drawing/2014/main" xmlns="" id="{09CE5959-0D78-46D2-9860-E5C7A4D34A72}"/>
+                <a16:creationId xmlns:a16="http://schemas.microsoft.com/office/drawing/2014/main" id="{09CE5959-0D78-46D2-9860-E5C7A4D34A72}"/>
               </a:ext>
             </a:extLst>
           </p:cNvPr>
@@ -6646,7 +6578,7 @@
               <a:t>- </a:t>
             </a:r>
             <a:r>
-              <a:rPr lang="en-US" altLang="ko-KR" b="1" dirty="0" err="1" smtClean="0">
+              <a:rPr lang="en-US" altLang="ko-KR" b="1" dirty="0" err="1">
                 <a:solidFill>
                   <a:prstClr val="white"/>
                 </a:solidFill>
@@ -6654,7 +6586,7 @@
               <a:t>Covipedia</a:t>
             </a:r>
             <a:r>
-              <a:rPr lang="en-US" altLang="ko-KR" b="1" dirty="0" smtClean="0">
+              <a:rPr lang="en-US" altLang="ko-KR" b="1" dirty="0">
                 <a:solidFill>
                   <a:prstClr val="white"/>
                 </a:solidFill>
@@ -6674,7 +6606,7 @@
           <p:cNvPr id="81" name="사각형: 둥근 모서리 5">
             <a:extLst>
               <a:ext uri="{FF2B5EF4-FFF2-40B4-BE49-F238E27FC236}">
-                <a16:creationId xmlns:a16="http://schemas.microsoft.com/office/drawing/2014/main" xmlns="" id="{E0EB1664-FDFE-4923-9888-CB17C72720CE}"/>
+                <a16:creationId xmlns:a16="http://schemas.microsoft.com/office/drawing/2014/main" id="{E0EB1664-FDFE-4923-9888-CB17C72720CE}"/>
               </a:ext>
             </a:extLst>
           </p:cNvPr>
@@ -6746,7 +6678,7 @@
           <p:cNvPr id="83" name="TextBox 82">
             <a:extLst>
               <a:ext uri="{FF2B5EF4-FFF2-40B4-BE49-F238E27FC236}">
-                <a16:creationId xmlns:a16="http://schemas.microsoft.com/office/drawing/2014/main" xmlns="" id="{D7A4DD1C-4839-45EA-9AAB-1A57C4104FAF}"/>
+                <a16:creationId xmlns:a16="http://schemas.microsoft.com/office/drawing/2014/main" id="{D7A4DD1C-4839-45EA-9AAB-1A57C4104FAF}"/>
               </a:ext>
             </a:extLst>
           </p:cNvPr>
@@ -6813,7 +6745,7 @@
           <p:cNvPr id="88" name="TextBox 87">
             <a:extLst>
               <a:ext uri="{FF2B5EF4-FFF2-40B4-BE49-F238E27FC236}">
-                <a16:creationId xmlns:a16="http://schemas.microsoft.com/office/drawing/2014/main" xmlns="" id="{F40F6D64-FBD4-4681-86F5-EC317C8A7BA6}"/>
+                <a16:creationId xmlns:a16="http://schemas.microsoft.com/office/drawing/2014/main" id="{F40F6D64-FBD4-4681-86F5-EC317C8A7BA6}"/>
               </a:ext>
             </a:extLst>
           </p:cNvPr>
@@ -6913,7 +6845,7 @@
               <a:buAutoNum type="arabicPeriod"/>
             </a:pPr>
             <a:r>
-              <a:rPr lang="ko-KR" altLang="en-US" dirty="0" smtClean="0">
+              <a:rPr lang="ko-KR" altLang="en-US" dirty="0">
                 <a:solidFill>
                   <a:prstClr val="black">
                     <a:lumMod val="75000"/>
@@ -6925,7 +6857,7 @@
               <a:t>코로나 </a:t>
             </a:r>
             <a:r>
-              <a:rPr lang="en-US" altLang="ko-KR" dirty="0" smtClean="0">
+              <a:rPr lang="en-US" altLang="ko-KR" dirty="0">
                 <a:solidFill>
                   <a:prstClr val="black">
                     <a:lumMod val="75000"/>
@@ -6937,7 +6869,7 @@
               <a:t>19 </a:t>
             </a:r>
             <a:r>
-              <a:rPr lang="ko-KR" altLang="en-US" dirty="0" smtClean="0">
+              <a:rPr lang="ko-KR" altLang="en-US" dirty="0">
                 <a:solidFill>
                   <a:prstClr val="black">
                     <a:lumMod val="75000"/>
@@ -6946,10 +6878,10 @@
                 </a:solidFill>
                 <a:cs typeface="Aharoni" panose="02010803020104030203" pitchFamily="2" charset="-79"/>
               </a:rPr>
-              <a:t>검사 </a:t>
-            </a:r>
-            <a:r>
-              <a:rPr lang="ko-KR" altLang="en-US" dirty="0" smtClean="0">
+              <a:t>검사 실시 기관 </a:t>
+            </a:r>
+            <a:r>
+              <a:rPr lang="en-US" altLang="ko-KR" dirty="0">
                 <a:solidFill>
                   <a:prstClr val="black">
                     <a:lumMod val="75000"/>
@@ -6958,10 +6890,10 @@
                 </a:solidFill>
                 <a:cs typeface="Aharoni" panose="02010803020104030203" pitchFamily="2" charset="-79"/>
               </a:rPr>
-              <a:t>실시 기관 </a:t>
-            </a:r>
-            <a:r>
-              <a:rPr lang="en-US" altLang="ko-KR" dirty="0" smtClean="0">
+              <a:t>(</a:t>
+            </a:r>
+            <a:r>
+              <a:rPr lang="ko-KR" altLang="en-US" dirty="0">
                 <a:solidFill>
                   <a:prstClr val="black">
                     <a:lumMod val="75000"/>
@@ -6970,10 +6902,10 @@
                 </a:solidFill>
                 <a:cs typeface="Aharoni" panose="02010803020104030203" pitchFamily="2" charset="-79"/>
               </a:rPr>
-              <a:t>(</a:t>
-            </a:r>
-            <a:r>
-              <a:rPr lang="ko-KR" altLang="en-US" dirty="0" smtClean="0">
+              <a:t>변경</a:t>
+            </a:r>
+            <a:r>
+              <a:rPr lang="en-US" altLang="ko-KR" dirty="0">
                 <a:solidFill>
                   <a:prstClr val="black">
                     <a:lumMod val="75000"/>
@@ -6982,21 +6914,9 @@
                 </a:solidFill>
                 <a:cs typeface="Aharoni" panose="02010803020104030203" pitchFamily="2" charset="-79"/>
               </a:rPr>
-              <a:t>변경</a:t>
-            </a:r>
-            <a:r>
-              <a:rPr lang="en-US" altLang="ko-KR" dirty="0" smtClean="0">
-                <a:solidFill>
-                  <a:prstClr val="black">
-                    <a:lumMod val="75000"/>
-                    <a:lumOff val="25000"/>
-                  </a:prstClr>
-                </a:solidFill>
-                <a:cs typeface="Aharoni" panose="02010803020104030203" pitchFamily="2" charset="-79"/>
-              </a:rPr>
               <a:t>)</a:t>
             </a:r>
-            <a:endParaRPr lang="ko-KR" altLang="en-US" dirty="0" smtClean="0">
+            <a:endParaRPr lang="ko-KR" altLang="en-US" dirty="0">
               <a:solidFill>
                 <a:prstClr val="black">
                   <a:lumMod val="75000"/>
@@ -7005,55 +6925,6 @@
               </a:solidFill>
               <a:cs typeface="Aharoni" panose="02010803020104030203" pitchFamily="2" charset="-79"/>
             </a:endParaRPr>
-          </a:p>
-          <a:p>
-            <a:pPr marL="342900" indent="-342900">
-              <a:lnSpc>
-                <a:spcPct val="150000"/>
-              </a:lnSpc>
-              <a:buAutoNum type="arabicPeriod"/>
-            </a:pPr>
-            <a:endParaRPr lang="ko-KR" altLang="en-US" dirty="0" smtClean="0">
-              <a:solidFill>
-                <a:prstClr val="black">
-                  <a:lumMod val="75000"/>
-                  <a:lumOff val="25000"/>
-                </a:prstClr>
-              </a:solidFill>
-              <a:cs typeface="Aharoni" panose="02010803020104030203" pitchFamily="2" charset="-79"/>
-            </a:endParaRPr>
-          </a:p>
-          <a:p>
-            <a:pPr marL="342900" indent="-342900">
-              <a:lnSpc>
-                <a:spcPct val="150000"/>
-              </a:lnSpc>
-              <a:buAutoNum type="arabicPeriod"/>
-            </a:pPr>
-            <a:r>
-              <a:rPr lang="ko-KR" altLang="en-US" dirty="0" smtClean="0">
-                <a:solidFill>
-                  <a:prstClr val="black">
-                    <a:lumMod val="75000"/>
-                    <a:lumOff val="25000"/>
-                  </a:prstClr>
-                </a:solidFill>
-                <a:cs typeface="Aharoni" panose="02010803020104030203" pitchFamily="2" charset="-79"/>
-              </a:rPr>
-              <a:t>예방접종 </a:t>
-            </a:r>
-            <a:r>
-              <a:rPr lang="ko-KR" altLang="en-US" dirty="0">
-                <a:solidFill>
-                  <a:prstClr val="black">
-                    <a:lumMod val="75000"/>
-                    <a:lumOff val="25000"/>
-                  </a:prstClr>
-                </a:solidFill>
-                <a:cs typeface="Aharoni" panose="02010803020104030203" pitchFamily="2" charset="-79"/>
-              </a:rPr>
-              <a:t>센터</a:t>
-            </a:r>
           </a:p>
           <a:p>
             <a:pPr marL="342900" indent="-342900">
@@ -7089,29 +6960,8 @@
                 </a:solidFill>
                 <a:cs typeface="Aharoni" panose="02010803020104030203" pitchFamily="2" charset="-79"/>
               </a:rPr>
-              <a:t>코로나 증상에 대한 정보 및 </a:t>
-            </a:r>
-            <a:r>
-              <a:rPr lang="ko-KR" altLang="en-US" dirty="0" err="1">
-                <a:solidFill>
-                  <a:prstClr val="black">
-                    <a:lumMod val="75000"/>
-                    <a:lumOff val="25000"/>
-                  </a:prstClr>
-                </a:solidFill>
-                <a:cs typeface="Aharoni" panose="02010803020104030203" pitchFamily="2" charset="-79"/>
-              </a:rPr>
-              <a:t>대처법</a:t>
-            </a:r>
-            <a:endParaRPr lang="ko-KR" altLang="en-US" dirty="0">
-              <a:solidFill>
-                <a:prstClr val="black">
-                  <a:lumMod val="75000"/>
-                  <a:lumOff val="25000"/>
-                </a:prstClr>
-              </a:solidFill>
-              <a:cs typeface="Aharoni" panose="02010803020104030203" pitchFamily="2" charset="-79"/>
-            </a:endParaRPr>
+              <a:t>예방접종 센터</a:t>
+            </a:r>
           </a:p>
           <a:p>
             <a:pPr marL="342900" indent="-342900">
@@ -7147,10 +6997,10 @@
                 </a:solidFill>
                 <a:cs typeface="Aharoni" panose="02010803020104030203" pitchFamily="2" charset="-79"/>
               </a:rPr>
-              <a:t>사이트 </a:t>
-            </a:r>
-            <a:r>
-              <a:rPr lang="ko-KR" altLang="en-US" dirty="0" err="1" smtClean="0">
+              <a:t>코로나 증상에 대한 정보 및 </a:t>
+            </a:r>
+            <a:r>
+              <a:rPr lang="ko-KR" altLang="en-US" dirty="0" err="1">
                 <a:solidFill>
                   <a:prstClr val="black">
                     <a:lumMod val="75000"/>
@@ -7159,79 +7009,7 @@
                 </a:solidFill>
                 <a:cs typeface="Aharoni" panose="02010803020104030203" pitchFamily="2" charset="-79"/>
               </a:rPr>
-              <a:t>리다이렉션</a:t>
-            </a:r>
-            <a:r>
-              <a:rPr lang="ko-KR" altLang="en-US" dirty="0" smtClean="0">
-                <a:solidFill>
-                  <a:prstClr val="black">
-                    <a:lumMod val="75000"/>
-                    <a:lumOff val="25000"/>
-                  </a:prstClr>
-                </a:solidFill>
-                <a:cs typeface="Aharoni" panose="02010803020104030203" pitchFamily="2" charset="-79"/>
-              </a:rPr>
-              <a:t> 및 </a:t>
-            </a:r>
-            <a:r>
-              <a:rPr lang="ko-KR" altLang="en-US" dirty="0" err="1" smtClean="0">
-                <a:solidFill>
-                  <a:prstClr val="black">
-                    <a:lumMod val="75000"/>
-                    <a:lumOff val="25000"/>
-                  </a:prstClr>
-                </a:solidFill>
-                <a:cs typeface="Aharoni" panose="02010803020104030203" pitchFamily="2" charset="-79"/>
-              </a:rPr>
-              <a:t>이메일</a:t>
-            </a:r>
-            <a:r>
-              <a:rPr lang="ko-KR" altLang="en-US" dirty="0" smtClean="0">
-                <a:solidFill>
-                  <a:prstClr val="black">
-                    <a:lumMod val="75000"/>
-                    <a:lumOff val="25000"/>
-                  </a:prstClr>
-                </a:solidFill>
-                <a:cs typeface="Aharoni" panose="02010803020104030203" pitchFamily="2" charset="-79"/>
-              </a:rPr>
-              <a:t> </a:t>
-            </a:r>
-            <a:r>
-              <a:rPr lang="en-US" altLang="ko-KR" dirty="0" smtClean="0">
-                <a:solidFill>
-                  <a:prstClr val="black">
-                    <a:lumMod val="75000"/>
-                    <a:lumOff val="25000"/>
-                  </a:prstClr>
-                </a:solidFill>
-                <a:cs typeface="Aharoni" panose="02010803020104030203" pitchFamily="2" charset="-79"/>
-              </a:rPr>
-              <a:t>(</a:t>
-            </a:r>
-            <a:r>
-              <a:rPr lang="ko-KR" altLang="en-US" dirty="0" smtClean="0">
-                <a:solidFill>
-                  <a:prstClr val="black">
-                    <a:lumMod val="75000"/>
-                    <a:lumOff val="25000"/>
-                  </a:prstClr>
-                </a:solidFill>
-                <a:cs typeface="Aharoni" panose="02010803020104030203" pitchFamily="2" charset="-79"/>
-              </a:rPr>
-              <a:t>변경</a:t>
-            </a:r>
-            <a:r>
-              <a:rPr lang="en-US" altLang="ko-KR" dirty="0" smtClean="0">
-                <a:solidFill>
-                  <a:prstClr val="black">
-                    <a:lumMod val="75000"/>
-                    <a:lumOff val="25000"/>
-                  </a:prstClr>
-                </a:solidFill>
-                <a:cs typeface="Aharoni" panose="02010803020104030203" pitchFamily="2" charset="-79"/>
-              </a:rPr>
-              <a:t>)</a:t>
+              <a:t>대처법</a:t>
             </a:r>
             <a:endParaRPr lang="ko-KR" altLang="en-US" dirty="0">
               <a:solidFill>
@@ -7260,6 +7038,136 @@
               <a:cs typeface="Aharoni" panose="02010803020104030203" pitchFamily="2" charset="-79"/>
             </a:endParaRPr>
           </a:p>
+          <a:p>
+            <a:pPr marL="342900" indent="-342900">
+              <a:lnSpc>
+                <a:spcPct val="150000"/>
+              </a:lnSpc>
+              <a:buAutoNum type="arabicPeriod"/>
+            </a:pPr>
+            <a:r>
+              <a:rPr lang="ko-KR" altLang="en-US" dirty="0">
+                <a:solidFill>
+                  <a:prstClr val="black">
+                    <a:lumMod val="75000"/>
+                    <a:lumOff val="25000"/>
+                  </a:prstClr>
+                </a:solidFill>
+                <a:cs typeface="Aharoni" panose="02010803020104030203" pitchFamily="2" charset="-79"/>
+              </a:rPr>
+              <a:t>사이트 </a:t>
+            </a:r>
+            <a:r>
+              <a:rPr lang="ko-KR" altLang="en-US" dirty="0" err="1">
+                <a:solidFill>
+                  <a:prstClr val="black">
+                    <a:lumMod val="75000"/>
+                    <a:lumOff val="25000"/>
+                  </a:prstClr>
+                </a:solidFill>
+                <a:cs typeface="Aharoni" panose="02010803020104030203" pitchFamily="2" charset="-79"/>
+              </a:rPr>
+              <a:t>리다이렉션</a:t>
+            </a:r>
+            <a:r>
+              <a:rPr lang="ko-KR" altLang="en-US" dirty="0">
+                <a:solidFill>
+                  <a:prstClr val="black">
+                    <a:lumMod val="75000"/>
+                    <a:lumOff val="25000"/>
+                  </a:prstClr>
+                </a:solidFill>
+                <a:cs typeface="Aharoni" panose="02010803020104030203" pitchFamily="2" charset="-79"/>
+              </a:rPr>
+              <a:t> 및 </a:t>
+            </a:r>
+            <a:r>
+              <a:rPr lang="ko-KR" altLang="en-US" dirty="0" err="1">
+                <a:solidFill>
+                  <a:prstClr val="black">
+                    <a:lumMod val="75000"/>
+                    <a:lumOff val="25000"/>
+                  </a:prstClr>
+                </a:solidFill>
+                <a:cs typeface="Aharoni" panose="02010803020104030203" pitchFamily="2" charset="-79"/>
+              </a:rPr>
+              <a:t>이메일</a:t>
+            </a:r>
+            <a:r>
+              <a:rPr lang="ko-KR" altLang="en-US" dirty="0">
+                <a:solidFill>
+                  <a:prstClr val="black">
+                    <a:lumMod val="75000"/>
+                    <a:lumOff val="25000"/>
+                  </a:prstClr>
+                </a:solidFill>
+                <a:cs typeface="Aharoni" panose="02010803020104030203" pitchFamily="2" charset="-79"/>
+              </a:rPr>
+              <a:t> </a:t>
+            </a:r>
+            <a:r>
+              <a:rPr lang="en-US" altLang="ko-KR" dirty="0">
+                <a:solidFill>
+                  <a:prstClr val="black">
+                    <a:lumMod val="75000"/>
+                    <a:lumOff val="25000"/>
+                  </a:prstClr>
+                </a:solidFill>
+                <a:cs typeface="Aharoni" panose="02010803020104030203" pitchFamily="2" charset="-79"/>
+              </a:rPr>
+              <a:t>(</a:t>
+            </a:r>
+            <a:r>
+              <a:rPr lang="ko-KR" altLang="en-US" dirty="0">
+                <a:solidFill>
+                  <a:prstClr val="black">
+                    <a:lumMod val="75000"/>
+                    <a:lumOff val="25000"/>
+                  </a:prstClr>
+                </a:solidFill>
+                <a:cs typeface="Aharoni" panose="02010803020104030203" pitchFamily="2" charset="-79"/>
+              </a:rPr>
+              <a:t>변경</a:t>
+            </a:r>
+            <a:r>
+              <a:rPr lang="en-US" altLang="ko-KR" dirty="0">
+                <a:solidFill>
+                  <a:prstClr val="black">
+                    <a:lumMod val="75000"/>
+                    <a:lumOff val="25000"/>
+                  </a:prstClr>
+                </a:solidFill>
+                <a:cs typeface="Aharoni" panose="02010803020104030203" pitchFamily="2" charset="-79"/>
+              </a:rPr>
+              <a:t>)</a:t>
+            </a:r>
+            <a:endParaRPr lang="ko-KR" altLang="en-US" dirty="0">
+              <a:solidFill>
+                <a:prstClr val="black">
+                  <a:lumMod val="75000"/>
+                  <a:lumOff val="25000"/>
+                </a:prstClr>
+              </a:solidFill>
+              <a:cs typeface="Aharoni" panose="02010803020104030203" pitchFamily="2" charset="-79"/>
+            </a:endParaRPr>
+          </a:p>
+          <a:p>
+            <a:pPr marL="342900" indent="-342900">
+              <a:lnSpc>
+                <a:spcPct val="150000"/>
+              </a:lnSpc>
+              <a:buAutoNum type="arabicPeriod"/>
+            </a:pPr>
+            <a:endParaRPr lang="ko-KR" altLang="en-US" dirty="0">
+              <a:solidFill>
+                <a:prstClr val="black">
+                  <a:lumMod val="75000"/>
+                  <a:lumOff val="25000"/>
+                </a:prstClr>
+              </a:solidFill>
+              <a:cs typeface="Aharoni" panose="02010803020104030203" pitchFamily="2" charset="-79"/>
+            </a:endParaRPr>
+          </a:p>
         </p:txBody>
       </p:sp>
       <p:sp>
@@ -7267,7 +7175,7 @@
           <p:cNvPr id="90" name="TextBox 89">
             <a:extLst>
               <a:ext uri="{FF2B5EF4-FFF2-40B4-BE49-F238E27FC236}">
-                <a16:creationId xmlns:a16="http://schemas.microsoft.com/office/drawing/2014/main" xmlns="" id="{8A3621D7-FADB-47C7-854C-4BDBB088D7BA}"/>
+                <a16:creationId xmlns:a16="http://schemas.microsoft.com/office/drawing/2014/main" id="{8A3621D7-FADB-47C7-854C-4BDBB088D7BA}"/>
               </a:ext>
             </a:extLst>
           </p:cNvPr>
@@ -7334,7 +7242,7 @@
           <p:cNvPr id="97" name="TextBox 96">
             <a:extLst>
               <a:ext uri="{FF2B5EF4-FFF2-40B4-BE49-F238E27FC236}">
-                <a16:creationId xmlns:a16="http://schemas.microsoft.com/office/drawing/2014/main" xmlns="" id="{590ECC92-C933-4D18-9F27-FD7AC64EAFE4}"/>
+                <a16:creationId xmlns:a16="http://schemas.microsoft.com/office/drawing/2014/main" id="{590ECC92-C933-4D18-9F27-FD7AC64EAFE4}"/>
               </a:ext>
             </a:extLst>
           </p:cNvPr>
@@ -7401,7 +7309,7 @@
           <p:cNvPr id="103" name="직선 연결선 102">
             <a:extLst>
               <a:ext uri="{FF2B5EF4-FFF2-40B4-BE49-F238E27FC236}">
-                <a16:creationId xmlns:a16="http://schemas.microsoft.com/office/drawing/2014/main" xmlns="" id="{5A0CD142-015D-4F5B-B108-3EDA4FF6EBF7}"/>
+                <a16:creationId xmlns:a16="http://schemas.microsoft.com/office/drawing/2014/main" id="{5A0CD142-015D-4F5B-B108-3EDA4FF6EBF7}"/>
               </a:ext>
             </a:extLst>
           </p:cNvPr>
@@ -7447,7 +7355,7 @@
           <p:cNvPr id="104" name="직선 연결선 103">
             <a:extLst>
               <a:ext uri="{FF2B5EF4-FFF2-40B4-BE49-F238E27FC236}">
-                <a16:creationId xmlns:a16="http://schemas.microsoft.com/office/drawing/2014/main" xmlns="" id="{22217D9E-8F96-45A9-BF07-205F55625DDC}"/>
+                <a16:creationId xmlns:a16="http://schemas.microsoft.com/office/drawing/2014/main" id="{22217D9E-8F96-45A9-BF07-205F55625DDC}"/>
               </a:ext>
             </a:extLst>
           </p:cNvPr>
@@ -7493,7 +7401,7 @@
           <p:cNvPr id="57" name="직선 연결선 56">
             <a:extLst>
               <a:ext uri="{FF2B5EF4-FFF2-40B4-BE49-F238E27FC236}">
-                <a16:creationId xmlns:a16="http://schemas.microsoft.com/office/drawing/2014/main" xmlns="" id="{725A44AE-8582-B48D-27F4-FD418FDCFB6B}"/>
+                <a16:creationId xmlns:a16="http://schemas.microsoft.com/office/drawing/2014/main" id="{725A44AE-8582-B48D-27F4-FD418FDCFB6B}"/>
               </a:ext>
             </a:extLst>
           </p:cNvPr>
@@ -7539,7 +7447,7 @@
           <p:cNvPr id="58" name="직선 연결선 57">
             <a:extLst>
               <a:ext uri="{FF2B5EF4-FFF2-40B4-BE49-F238E27FC236}">
-                <a16:creationId xmlns:a16="http://schemas.microsoft.com/office/drawing/2014/main" xmlns="" id="{98CAF6DD-4F21-A1B3-9936-8FFC1298D28F}"/>
+                <a16:creationId xmlns:a16="http://schemas.microsoft.com/office/drawing/2014/main" id="{98CAF6DD-4F21-A1B3-9936-8FFC1298D28F}"/>
               </a:ext>
             </a:extLst>
           </p:cNvPr>
@@ -7585,7 +7493,7 @@
           <p:cNvPr id="59" name="직선 연결선 58">
             <a:extLst>
               <a:ext uri="{FF2B5EF4-FFF2-40B4-BE49-F238E27FC236}">
-                <a16:creationId xmlns:a16="http://schemas.microsoft.com/office/drawing/2014/main" xmlns="" id="{424867F0-8676-BE80-98FF-8DEDE24C56A4}"/>
+                <a16:creationId xmlns:a16="http://schemas.microsoft.com/office/drawing/2014/main" id="{424867F0-8676-BE80-98FF-8DEDE24C56A4}"/>
               </a:ext>
             </a:extLst>
           </p:cNvPr>
@@ -7631,7 +7539,7 @@
           <p:cNvPr id="35" name="그룹 34">
             <a:extLst>
               <a:ext uri="{FF2B5EF4-FFF2-40B4-BE49-F238E27FC236}">
-                <a16:creationId xmlns:a16="http://schemas.microsoft.com/office/drawing/2014/main" xmlns="" id="{1F0C2E5B-29D0-E170-B21F-B3A1C572E452}"/>
+                <a16:creationId xmlns:a16="http://schemas.microsoft.com/office/drawing/2014/main" id="{1F0C2E5B-29D0-E170-B21F-B3A1C572E452}"/>
               </a:ext>
             </a:extLst>
           </p:cNvPr>
@@ -7651,7 +7559,7 @@
             <p:cNvPr id="36" name="Picture 6" descr="https://mblogthumb-phinf.pstatic.net/MjAxOTA3MTdfMjI0/MDAxNTYzMzY4OTMyOTMy.vu84HL4xt9Y3dcQhuNkmbut9YylPR6Vr6Ar3aA6g0Ogg.V1V1blBntGdD5aj3iUeu7aPyFGCLkATd-QjaeUu024Mg.PNG.noksek0615/267C964756B5409139.png?type=w800">
               <a:extLst>
                 <a:ext uri="{FF2B5EF4-FFF2-40B4-BE49-F238E27FC236}">
-                  <a16:creationId xmlns:a16="http://schemas.microsoft.com/office/drawing/2014/main" xmlns="" id="{67981A3E-DFE6-7BC2-A35A-3523FA2C311F}"/>
+                  <a16:creationId xmlns:a16="http://schemas.microsoft.com/office/drawing/2014/main" id="{67981A3E-DFE6-7BC2-A35A-3523FA2C311F}"/>
                 </a:ext>
               </a:extLst>
             </p:cNvPr>
@@ -7698,7 +7606,7 @@
             <p:cNvPr id="37" name="모서리가 둥근 직사각형 6">
               <a:extLst>
                 <a:ext uri="{FF2B5EF4-FFF2-40B4-BE49-F238E27FC236}">
-                  <a16:creationId xmlns:a16="http://schemas.microsoft.com/office/drawing/2014/main" xmlns="" id="{97703E3C-612F-109C-811B-F339E503EE52}"/>
+                  <a16:creationId xmlns:a16="http://schemas.microsoft.com/office/drawing/2014/main" id="{97703E3C-612F-109C-811B-F339E503EE52}"/>
                 </a:ext>
               </a:extLst>
             </p:cNvPr>
@@ -7758,7 +7666,7 @@
             <p:cNvPr id="38" name="모서리가 둥근 직사각형 8">
               <a:extLst>
                 <a:ext uri="{FF2B5EF4-FFF2-40B4-BE49-F238E27FC236}">
-                  <a16:creationId xmlns:a16="http://schemas.microsoft.com/office/drawing/2014/main" xmlns="" id="{36FDCFAA-2CB9-6314-E6FD-CEECBA7C5D34}"/>
+                  <a16:creationId xmlns:a16="http://schemas.microsoft.com/office/drawing/2014/main" id="{36FDCFAA-2CB9-6314-E6FD-CEECBA7C5D34}"/>
                 </a:ext>
               </a:extLst>
             </p:cNvPr>
@@ -7818,6 +7726,46 @@
                   <a:latin typeface="맑은 고딕" panose="020B0503020000020004" pitchFamily="50" charset="-127"/>
                   <a:ea typeface="맑은 고딕" panose="020B0503020000020004" pitchFamily="50" charset="-127"/>
                 </a:rPr>
+                <a:t>/</a:t>
+              </a:r>
+              <a:r>
+                <a:rPr lang="ko-KR" altLang="en-US" sz="1400" dirty="0">
+                  <a:solidFill>
+                    <a:sysClr val="windowText" lastClr="000000"/>
+                  </a:solidFill>
+                  <a:latin typeface="맑은 고딕" panose="020B0503020000020004" pitchFamily="50" charset="-127"/>
+                  <a:ea typeface="맑은 고딕" panose="020B0503020000020004" pitchFamily="50" charset="-127"/>
+                </a:rPr>
+                <a:t>군</a:t>
+              </a:r>
+              <a:r>
+                <a:rPr lang="en-US" altLang="ko-KR" sz="1400" dirty="0">
+                  <a:solidFill>
+                    <a:sysClr val="windowText" lastClr="000000"/>
+                  </a:solidFill>
+                  <a:latin typeface="맑은 고딕" panose="020B0503020000020004" pitchFamily="50" charset="-127"/>
+                  <a:ea typeface="맑은 고딕" panose="020B0503020000020004" pitchFamily="50" charset="-127"/>
+                </a:rPr>
+                <a:t>/</a:t>
+              </a:r>
+              <a:r>
+                <a:rPr lang="ko-KR" altLang="en-US" sz="1400" dirty="0">
+                  <a:solidFill>
+                    <a:sysClr val="windowText" lastClr="000000"/>
+                  </a:solidFill>
+                  <a:latin typeface="맑은 고딕" panose="020B0503020000020004" pitchFamily="50" charset="-127"/>
+                  <a:ea typeface="맑은 고딕" panose="020B0503020000020004" pitchFamily="50" charset="-127"/>
+                </a:rPr>
+                <a:t>구</a:t>
+              </a:r>
+              <a:r>
+                <a:rPr lang="en-US" altLang="ko-KR" sz="1400" dirty="0">
+                  <a:solidFill>
+                    <a:sysClr val="windowText" lastClr="000000"/>
+                  </a:solidFill>
+                  <a:latin typeface="맑은 고딕" panose="020B0503020000020004" pitchFamily="50" charset="-127"/>
+                  <a:ea typeface="맑은 고딕" panose="020B0503020000020004" pitchFamily="50" charset="-127"/>
+                </a:rPr>
                 <a:t> </a:t>
               </a:r>
               <a:r>
@@ -7838,7 +7786,7 @@
             <p:cNvPr id="39" name="모서리가 둥근 직사각형 10">
               <a:extLst>
                 <a:ext uri="{FF2B5EF4-FFF2-40B4-BE49-F238E27FC236}">
-                  <a16:creationId xmlns:a16="http://schemas.microsoft.com/office/drawing/2014/main" xmlns="" id="{586C78B3-888F-B2E0-7576-F676F4161C48}"/>
+                  <a16:creationId xmlns:a16="http://schemas.microsoft.com/office/drawing/2014/main" id="{586C78B3-888F-B2E0-7576-F676F4161C48}"/>
                 </a:ext>
               </a:extLst>
             </p:cNvPr>
@@ -7918,7 +7866,7 @@
             <p:cNvPr id="40" name="모서리가 둥근 직사각형 11">
               <a:extLst>
                 <a:ext uri="{FF2B5EF4-FFF2-40B4-BE49-F238E27FC236}">
-                  <a16:creationId xmlns:a16="http://schemas.microsoft.com/office/drawing/2014/main" xmlns="" id="{5363DB56-38C0-57FA-886D-C7D1E1CD8750}"/>
+                  <a16:creationId xmlns:a16="http://schemas.microsoft.com/office/drawing/2014/main" id="{5363DB56-38C0-57FA-886D-C7D1E1CD8750}"/>
                 </a:ext>
               </a:extLst>
             </p:cNvPr>
@@ -7985,7 +7933,7 @@
             <p:cNvPr id="41" name="모서리가 둥근 직사각형 12">
               <a:extLst>
                 <a:ext uri="{FF2B5EF4-FFF2-40B4-BE49-F238E27FC236}">
-                  <a16:creationId xmlns:a16="http://schemas.microsoft.com/office/drawing/2014/main" xmlns="" id="{EC278151-C225-13F6-78A7-92128C017B22}"/>
+                  <a16:creationId xmlns:a16="http://schemas.microsoft.com/office/drawing/2014/main" id="{EC278151-C225-13F6-78A7-92128C017B22}"/>
                 </a:ext>
               </a:extLst>
             </p:cNvPr>
@@ -8035,6 +7983,26 @@
                   <a:latin typeface="맑은 고딕" panose="020B0503020000020004" pitchFamily="50" charset="-127"/>
                   <a:ea typeface="맑은 고딕" panose="020B0503020000020004" pitchFamily="50" charset="-127"/>
                 </a:rPr>
+                <a:t>시</a:t>
+              </a:r>
+              <a:r>
+                <a:rPr lang="en-US" altLang="ko-KR" sz="1400" dirty="0">
+                  <a:solidFill>
+                    <a:sysClr val="windowText" lastClr="000000"/>
+                  </a:solidFill>
+                  <a:latin typeface="맑은 고딕" panose="020B0503020000020004" pitchFamily="50" charset="-127"/>
+                  <a:ea typeface="맑은 고딕" panose="020B0503020000020004" pitchFamily="50" charset="-127"/>
+                </a:rPr>
+                <a:t>/</a:t>
+              </a:r>
+              <a:r>
+                <a:rPr lang="ko-KR" altLang="en-US" sz="1400" dirty="0">
+                  <a:solidFill>
+                    <a:sysClr val="windowText" lastClr="000000"/>
+                  </a:solidFill>
+                  <a:latin typeface="맑은 고딕" panose="020B0503020000020004" pitchFamily="50" charset="-127"/>
+                  <a:ea typeface="맑은 고딕" panose="020B0503020000020004" pitchFamily="50" charset="-127"/>
+                </a:rPr>
                 <a:t>도 선택</a:t>
               </a:r>
             </a:p>
@@ -8045,7 +8013,7 @@
             <p:cNvPr id="42" name="모서리가 둥근 직사각형 13">
               <a:extLst>
                 <a:ext uri="{FF2B5EF4-FFF2-40B4-BE49-F238E27FC236}">
-                  <a16:creationId xmlns:a16="http://schemas.microsoft.com/office/drawing/2014/main" xmlns="" id="{A56C6B9D-76E5-E8A6-DE70-F4BDA74D9135}"/>
+                  <a16:creationId xmlns:a16="http://schemas.microsoft.com/office/drawing/2014/main" id="{A56C6B9D-76E5-E8A6-DE70-F4BDA74D9135}"/>
                 </a:ext>
               </a:extLst>
             </p:cNvPr>
@@ -8148,7 +8116,7 @@
             <p:cNvPr id="43" name="모서리가 둥근 직사각형 16">
               <a:extLst>
                 <a:ext uri="{FF2B5EF4-FFF2-40B4-BE49-F238E27FC236}">
-                  <a16:creationId xmlns:a16="http://schemas.microsoft.com/office/drawing/2014/main" xmlns="" id="{8F2DC483-007A-9B32-7D1F-2EDD0D484B40}"/>
+                  <a16:creationId xmlns:a16="http://schemas.microsoft.com/office/drawing/2014/main" id="{8F2DC483-007A-9B32-7D1F-2EDD0D484B40}"/>
                 </a:ext>
               </a:extLst>
             </p:cNvPr>
@@ -8215,7 +8183,7 @@
             <p:cNvPr id="44" name="모서리가 둥근 직사각형 19">
               <a:extLst>
                 <a:ext uri="{FF2B5EF4-FFF2-40B4-BE49-F238E27FC236}">
-                  <a16:creationId xmlns:a16="http://schemas.microsoft.com/office/drawing/2014/main" xmlns="" id="{8928BAF2-6E5A-4E75-7F85-31E1AE48ACC1}"/>
+                  <a16:creationId xmlns:a16="http://schemas.microsoft.com/office/drawing/2014/main" id="{8928BAF2-6E5A-4E75-7F85-31E1AE48ACC1}"/>
                 </a:ext>
               </a:extLst>
             </p:cNvPr>
@@ -8315,7 +8283,7 @@
             <p:cNvPr id="45" name="모서리가 둥근 직사각형 21">
               <a:extLst>
                 <a:ext uri="{FF2B5EF4-FFF2-40B4-BE49-F238E27FC236}">
-                  <a16:creationId xmlns:a16="http://schemas.microsoft.com/office/drawing/2014/main" xmlns="" id="{4930F3FF-C674-97C9-2DC8-A56608AA2DD9}"/>
+                  <a16:creationId xmlns:a16="http://schemas.microsoft.com/office/drawing/2014/main" id="{4930F3FF-C674-97C9-2DC8-A56608AA2DD9}"/>
                 </a:ext>
               </a:extLst>
             </p:cNvPr>
@@ -8358,7 +8326,7 @@
             <a:p>
               <a:pPr algn="ctr"/>
               <a:r>
-                <a:rPr lang="ko-KR" altLang="en-US" sz="1400" dirty="0" smtClean="0">
+                <a:rPr lang="ko-KR" altLang="en-US" sz="1400" dirty="0">
                   <a:solidFill>
                     <a:sysClr val="windowText" lastClr="000000"/>
                   </a:solidFill>
@@ -8367,7 +8335,7 @@
                 </a:rPr>
                 <a:t>예방접종</a:t>
               </a:r>
-              <a:endParaRPr lang="en-US" altLang="ko-KR" sz="1400" dirty="0" smtClean="0">
+              <a:endParaRPr lang="en-US" altLang="ko-KR" sz="1400" dirty="0">
                 <a:solidFill>
                   <a:sysClr val="windowText" lastClr="000000"/>
                 </a:solidFill>
@@ -8378,26 +8346,16 @@
             <a:p>
               <a:pPr algn="ctr"/>
               <a:r>
-                <a:rPr lang="ko-KR" altLang="en-US" sz="1400" dirty="0" smtClean="0">
+                <a:rPr lang="ko-KR" altLang="en-US" sz="1400" dirty="0">
                   <a:solidFill>
                     <a:sysClr val="windowText" lastClr="000000"/>
                   </a:solidFill>
                   <a:latin typeface="맑은 고딕" panose="020B0503020000020004" pitchFamily="50" charset="-127"/>
                   <a:ea typeface="맑은 고딕" panose="020B0503020000020004" pitchFamily="50" charset="-127"/>
                 </a:rPr>
-                <a:t>센터 </a:t>
+                <a:t>센터 정보</a:t>
               </a:r>
-              <a:r>
-                <a:rPr lang="ko-KR" altLang="en-US" sz="1400" dirty="0" smtClean="0">
-                  <a:solidFill>
-                    <a:sysClr val="windowText" lastClr="000000"/>
-                  </a:solidFill>
-                  <a:latin typeface="맑은 고딕" panose="020B0503020000020004" pitchFamily="50" charset="-127"/>
-                  <a:ea typeface="맑은 고딕" panose="020B0503020000020004" pitchFamily="50" charset="-127"/>
-                </a:rPr>
-                <a:t>정보</a:t>
-              </a:r>
-              <a:endParaRPr lang="en-US" altLang="ko-KR" sz="1400" dirty="0" smtClean="0">
+              <a:endParaRPr lang="en-US" altLang="ko-KR" sz="1400" dirty="0">
                 <a:solidFill>
                   <a:sysClr val="windowText" lastClr="000000"/>
                 </a:solidFill>
@@ -8412,7 +8370,7 @@
             <p:cNvPr id="46" name="모서리가 둥근 직사각형 22">
               <a:extLst>
                 <a:ext uri="{FF2B5EF4-FFF2-40B4-BE49-F238E27FC236}">
-                  <a16:creationId xmlns:a16="http://schemas.microsoft.com/office/drawing/2014/main" xmlns="" id="{9D5A0F2F-6046-80C7-96D1-B2E406972C32}"/>
+                  <a16:creationId xmlns:a16="http://schemas.microsoft.com/office/drawing/2014/main" id="{9D5A0F2F-6046-80C7-96D1-B2E406972C32}"/>
                 </a:ext>
               </a:extLst>
             </p:cNvPr>
@@ -8455,7 +8413,7 @@
             <a:p>
               <a:pPr algn="ctr"/>
               <a:r>
-                <a:rPr lang="ko-KR" altLang="en-US" sz="1400" dirty="0" smtClean="0">
+                <a:rPr lang="ko-KR" altLang="en-US" sz="1400" dirty="0">
                   <a:solidFill>
                     <a:sysClr val="windowText" lastClr="000000"/>
                   </a:solidFill>
@@ -8464,7 +8422,7 @@
                 </a:rPr>
                 <a:t>코로나검사</a:t>
               </a:r>
-              <a:endParaRPr lang="en-US" altLang="ko-KR" sz="1400" dirty="0" smtClean="0">
+              <a:endParaRPr lang="en-US" altLang="ko-KR" sz="1400" dirty="0">
                 <a:solidFill>
                   <a:sysClr val="windowText" lastClr="000000"/>
                 </a:solidFill>
@@ -8475,7 +8433,7 @@
             <a:p>
               <a:pPr algn="ctr"/>
               <a:r>
-                <a:rPr lang="ko-KR" altLang="en-US" sz="1400" dirty="0" smtClean="0">
+                <a:rPr lang="ko-KR" altLang="en-US" sz="1400" dirty="0">
                   <a:solidFill>
                     <a:sysClr val="windowText" lastClr="000000"/>
                   </a:solidFill>
@@ -8484,13 +8442,6 @@
                 </a:rPr>
                 <a:t>실시 기관</a:t>
               </a:r>
-              <a:endParaRPr lang="ko-KR" altLang="en-US" sz="1400" dirty="0">
-                <a:solidFill>
-                  <a:sysClr val="windowText" lastClr="000000"/>
-                </a:solidFill>
-                <a:latin typeface="맑은 고딕" panose="020B0503020000020004" pitchFamily="50" charset="-127"/>
-                <a:ea typeface="맑은 고딕" panose="020B0503020000020004" pitchFamily="50" charset="-127"/>
-              </a:endParaRPr>
             </a:p>
           </p:txBody>
         </p:sp>
@@ -8499,7 +8450,7 @@
             <p:cNvPr id="47" name="모서리가 둥근 직사각형 23">
               <a:extLst>
                 <a:ext uri="{FF2B5EF4-FFF2-40B4-BE49-F238E27FC236}">
-                  <a16:creationId xmlns:a16="http://schemas.microsoft.com/office/drawing/2014/main" xmlns="" id="{ACABA39D-A988-0621-6535-70FAC75CF5C0}"/>
+                  <a16:creationId xmlns:a16="http://schemas.microsoft.com/office/drawing/2014/main" id="{ACABA39D-A988-0621-6535-70FAC75CF5C0}"/>
                 </a:ext>
               </a:extLst>
             </p:cNvPr>
@@ -8560,7 +8511,7 @@
           <p:cNvPr id="34" name="모서리가 둥근 직사각형 13">
             <a:extLst>
               <a:ext uri="{FF2B5EF4-FFF2-40B4-BE49-F238E27FC236}">
-                <a16:creationId xmlns:a16="http://schemas.microsoft.com/office/drawing/2014/main" xmlns="" id="{A56C6B9D-76E5-E8A6-DE70-F4BDA74D9135}"/>
+                <a16:creationId xmlns:a16="http://schemas.microsoft.com/office/drawing/2014/main" id="{A56C6B9D-76E5-E8A6-DE70-F4BDA74D9135}"/>
               </a:ext>
             </a:extLst>
           </p:cNvPr>
@@ -8603,7 +8554,7 @@
           <a:p>
             <a:pPr algn="ctr"/>
             <a:r>
-              <a:rPr lang="ko-KR" altLang="en-US" sz="1000" dirty="0" err="1" smtClean="0">
+              <a:rPr lang="ko-KR" altLang="en-US" sz="1000" dirty="0" err="1">
                 <a:solidFill>
                   <a:sysClr val="windowText" lastClr="000000"/>
                 </a:solidFill>
@@ -8632,13 +8583,6 @@
   <p:clrMapOvr>
     <a:masterClrMapping/>
   </p:clrMapOvr>
-  <p:timing>
-    <p:tnLst>
-      <p:par>
-        <p:cTn id="1" dur="indefinite" restart="never" nodeType="tmRoot"/>
-      </p:par>
-    </p:tnLst>
-  </p:timing>
 </p:sld>
 </file>
 
@@ -9191,7 +9135,7 @@
           <p:cNvPr id="87" name="사각형: 둥근 모서리 4">
             <a:extLst>
               <a:ext uri="{FF2B5EF4-FFF2-40B4-BE49-F238E27FC236}">
-                <a16:creationId xmlns:a16="http://schemas.microsoft.com/office/drawing/2014/main" xmlns="" id="{ABC0E14A-3394-B428-5DF8-6934FA3A4852}"/>
+                <a16:creationId xmlns:a16="http://schemas.microsoft.com/office/drawing/2014/main" id="{ABC0E14A-3394-B428-5DF8-6934FA3A4852}"/>
               </a:ext>
             </a:extLst>
           </p:cNvPr>
@@ -9238,7 +9182,7 @@
           <a:p>
             <a:pPr algn="ctr"/>
             <a:r>
-              <a:rPr lang="ko-KR" altLang="en-US" b="1" dirty="0" smtClean="0">
+              <a:rPr lang="ko-KR" altLang="en-US" b="1" dirty="0">
                 <a:solidFill>
                   <a:prstClr val="white"/>
                 </a:solidFill>
@@ -9266,7 +9210,7 @@
           <p:cNvPr id="4" name="그림 3">
             <a:extLst>
               <a:ext uri="{FF2B5EF4-FFF2-40B4-BE49-F238E27FC236}">
-                <a16:creationId xmlns:a16="http://schemas.microsoft.com/office/drawing/2014/main" xmlns="" id="{2355BAA8-DE16-61BB-3467-D5CA9A8176CF}"/>
+                <a16:creationId xmlns:a16="http://schemas.microsoft.com/office/drawing/2014/main" id="{2355BAA8-DE16-61BB-3467-D5CA9A8176CF}"/>
               </a:ext>
             </a:extLst>
           </p:cNvPr>
@@ -9296,7 +9240,7 @@
           <p:cNvPr id="88" name="TextBox 87">
             <a:extLst>
               <a:ext uri="{FF2B5EF4-FFF2-40B4-BE49-F238E27FC236}">
-                <a16:creationId xmlns:a16="http://schemas.microsoft.com/office/drawing/2014/main" xmlns="" id="{8D66C7A6-0A35-64F8-B61A-7A9E4B777A33}"/>
+                <a16:creationId xmlns:a16="http://schemas.microsoft.com/office/drawing/2014/main" id="{8D66C7A6-0A35-64F8-B61A-7A9E4B777A33}"/>
               </a:ext>
             </a:extLst>
           </p:cNvPr>
@@ -9532,7 +9476,7 @@
           <p:cNvPr id="89" name="직사각형 88">
             <a:extLst>
               <a:ext uri="{FF2B5EF4-FFF2-40B4-BE49-F238E27FC236}">
-                <a16:creationId xmlns:a16="http://schemas.microsoft.com/office/drawing/2014/main" xmlns="" id="{16906754-6D57-5A2B-71EA-0E1FA466505C}"/>
+                <a16:creationId xmlns:a16="http://schemas.microsoft.com/office/drawing/2014/main" id="{16906754-6D57-5A2B-71EA-0E1FA466505C}"/>
               </a:ext>
             </a:extLst>
           </p:cNvPr>
@@ -9669,13 +9613,6 @@
   <p:clrMapOvr>
     <a:masterClrMapping/>
   </p:clrMapOvr>
-  <p:timing>
-    <p:tnLst>
-      <p:par>
-        <p:cTn id="1" dur="indefinite" restart="never" nodeType="tmRoot"/>
-      </p:par>
-    </p:tnLst>
-  </p:timing>
 </p:sld>
 </file>
 
@@ -10220,7 +10157,7 @@
           <p:cNvPr id="87" name="사각형: 둥근 모서리 4">
             <a:extLst>
               <a:ext uri="{FF2B5EF4-FFF2-40B4-BE49-F238E27FC236}">
-                <a16:creationId xmlns:a16="http://schemas.microsoft.com/office/drawing/2014/main" xmlns="" id="{ABC0E14A-3394-B428-5DF8-6934FA3A4852}"/>
+                <a16:creationId xmlns:a16="http://schemas.microsoft.com/office/drawing/2014/main" id="{ABC0E14A-3394-B428-5DF8-6934FA3A4852}"/>
               </a:ext>
             </a:extLst>
           </p:cNvPr>
@@ -10282,7 +10219,7 @@
           <p:cNvPr id="80" name="표 79">
             <a:extLst>
               <a:ext uri="{FF2B5EF4-FFF2-40B4-BE49-F238E27FC236}">
-                <a16:creationId xmlns:a16="http://schemas.microsoft.com/office/drawing/2014/main" xmlns="" id="{2B6DA84A-3AC5-4D5E-A222-8FF25589DB45}"/>
+                <a16:creationId xmlns:a16="http://schemas.microsoft.com/office/drawing/2014/main" id="{2B6DA84A-3AC5-4D5E-A222-8FF25589DB45}"/>
               </a:ext>
             </a:extLst>
           </p:cNvPr>
@@ -10311,28 +10248,28 @@
                 <a:gridCol w="1118824">
                   <a:extLst>
                     <a:ext uri="{9D8B030D-6E8A-4147-A177-3AD203B41FA5}">
-                      <a16:colId xmlns:a16="http://schemas.microsoft.com/office/drawing/2014/main" xmlns="" val="20000"/>
+                      <a16:colId xmlns:a16="http://schemas.microsoft.com/office/drawing/2014/main" val="20000"/>
                     </a:ext>
                   </a:extLst>
                 </a:gridCol>
                 <a:gridCol w="4393495">
                   <a:extLst>
                     <a:ext uri="{9D8B030D-6E8A-4147-A177-3AD203B41FA5}">
-                      <a16:colId xmlns:a16="http://schemas.microsoft.com/office/drawing/2014/main" xmlns="" val="20001"/>
+                      <a16:colId xmlns:a16="http://schemas.microsoft.com/office/drawing/2014/main" val="20001"/>
                     </a:ext>
                   </a:extLst>
                 </a:gridCol>
                 <a:gridCol w="2661240">
                   <a:extLst>
                     <a:ext uri="{9D8B030D-6E8A-4147-A177-3AD203B41FA5}">
-                      <a16:colId xmlns:a16="http://schemas.microsoft.com/office/drawing/2014/main" xmlns="" val="20002"/>
+                      <a16:colId xmlns:a16="http://schemas.microsoft.com/office/drawing/2014/main" val="20002"/>
                     </a:ext>
                   </a:extLst>
                 </a:gridCol>
                 <a:gridCol w="2043390">
                   <a:extLst>
                     <a:ext uri="{9D8B030D-6E8A-4147-A177-3AD203B41FA5}">
-                      <a16:colId xmlns:a16="http://schemas.microsoft.com/office/drawing/2014/main" xmlns="" val="20003"/>
+                      <a16:colId xmlns:a16="http://schemas.microsoft.com/office/drawing/2014/main" val="20003"/>
                     </a:ext>
                   </a:extLst>
                 </a:gridCol>
@@ -10412,7 +10349,7 @@
                 </a:tc>
                 <a:extLst>
                   <a:ext uri="{0D108BD9-81ED-4DB2-BD59-A6C34878D82A}">
-                    <a16:rowId xmlns:a16="http://schemas.microsoft.com/office/drawing/2014/main" xmlns="" val="10000"/>
+                    <a16:rowId xmlns:a16="http://schemas.microsoft.com/office/drawing/2014/main" val="10000"/>
                   </a:ext>
                 </a:extLst>
               </a:tr>
@@ -10534,7 +10471,7 @@
                 </a:tc>
                 <a:extLst>
                   <a:ext uri="{0D108BD9-81ED-4DB2-BD59-A6C34878D82A}">
-                    <a16:rowId xmlns:a16="http://schemas.microsoft.com/office/drawing/2014/main" xmlns="" val="10001"/>
+                    <a16:rowId xmlns:a16="http://schemas.microsoft.com/office/drawing/2014/main" val="10001"/>
                   </a:ext>
                 </a:extLst>
               </a:tr>
@@ -10632,7 +10569,7 @@
                     <a:p>
                       <a:pPr algn="ctr" latinLnBrk="1"/>
                       <a:r>
-                        <a:rPr lang="en-US" altLang="ko-KR" sz="1600" dirty="0" smtClean="0">
+                        <a:rPr lang="en-US" altLang="ko-KR" sz="1600" dirty="0">
                           <a:latin typeface="맑은 고딕" panose="020B0503020000020004" pitchFamily="50" charset="-127"/>
                           <a:ea typeface="맑은 고딕" panose="020B0503020000020004" pitchFamily="50" charset="-127"/>
                         </a:rPr>
@@ -10662,7 +10599,7 @@
                 </a:tc>
                 <a:extLst>
                   <a:ext uri="{0D108BD9-81ED-4DB2-BD59-A6C34878D82A}">
-                    <a16:rowId xmlns:a16="http://schemas.microsoft.com/office/drawing/2014/main" xmlns="" val="10002"/>
+                    <a16:rowId xmlns:a16="http://schemas.microsoft.com/office/drawing/2014/main" val="10002"/>
                   </a:ext>
                 </a:extLst>
               </a:tr>
@@ -10713,41 +10650,37 @@
                       <a:pPr algn="ctr" latinLnBrk="1"/>
                       <a:r>
                         <a:rPr lang="ko-KR" altLang="en-US" sz="1600" dirty="0"/>
-                        <a:t>발생현황 </a:t>
+                        <a:t>발생현황 리스트에 표시</a:t>
                       </a:r>
                       <a:r>
-                        <a:rPr lang="ko-KR" altLang="en-US" sz="1600" dirty="0" smtClean="0"/>
-                        <a:t>리스트에 표시</a:t>
-                      </a:r>
-                      <a:r>
-                        <a:rPr lang="en-US" altLang="ko-KR" sz="1600" dirty="0" smtClean="0"/>
+                        <a:rPr lang="en-US" altLang="ko-KR" sz="1600" dirty="0"/>
                         <a:t>, </a:t>
                       </a:r>
                     </a:p>
                     <a:p>
                       <a:pPr algn="ctr" latinLnBrk="1"/>
                       <a:r>
-                        <a:rPr lang="en-US" altLang="ko-KR" sz="1600" dirty="0" smtClean="0"/>
+                        <a:rPr lang="en-US" altLang="ko-KR" sz="1600" dirty="0"/>
                         <a:t>E-mail</a:t>
                       </a:r>
                       <a:r>
-                        <a:rPr lang="en-US" altLang="ko-KR" sz="1600" baseline="0" dirty="0" smtClean="0"/>
+                        <a:rPr lang="en-US" altLang="ko-KR" sz="1600" baseline="0" dirty="0"/>
                         <a:t> </a:t>
                       </a:r>
                       <a:r>
-                        <a:rPr lang="ko-KR" altLang="en-US" sz="1600" baseline="0" dirty="0" smtClean="0"/>
+                        <a:rPr lang="ko-KR" altLang="en-US" sz="1600" baseline="0" dirty="0"/>
                         <a:t>구현</a:t>
                       </a:r>
                       <a:r>
-                        <a:rPr lang="en-US" altLang="ko-KR" sz="1600" baseline="0" dirty="0" smtClean="0"/>
+                        <a:rPr lang="en-US" altLang="ko-KR" sz="1600" baseline="0" dirty="0"/>
                         <a:t>(</a:t>
                       </a:r>
                       <a:r>
-                        <a:rPr lang="ko-KR" altLang="en-US" sz="1600" baseline="0" dirty="0" smtClean="0"/>
+                        <a:rPr lang="ko-KR" altLang="en-US" sz="1600" baseline="0" dirty="0"/>
                         <a:t>변경</a:t>
                       </a:r>
                       <a:r>
-                        <a:rPr lang="en-US" altLang="ko-KR" sz="1600" baseline="0" dirty="0" smtClean="0"/>
+                        <a:rPr lang="en-US" altLang="ko-KR" sz="1600" baseline="0" dirty="0"/>
                         <a:t>)</a:t>
                       </a:r>
                       <a:endParaRPr lang="en-US" altLang="ko-KR" sz="1600" dirty="0">
@@ -10765,7 +10698,7 @@
                     <a:p>
                       <a:pPr algn="ctr" latinLnBrk="1"/>
                       <a:r>
-                        <a:rPr lang="en-US" altLang="ko-KR" sz="1600" dirty="0" smtClean="0"/>
+                        <a:rPr lang="en-US" altLang="ko-KR" sz="1600" dirty="0"/>
                         <a:t>X</a:t>
                       </a:r>
                       <a:endParaRPr lang="ko-KR" altLang="en-US" sz="1600" dirty="0">
@@ -10783,13 +10716,13 @@
                     <a:p>
                       <a:pPr algn="ctr" latinLnBrk="1"/>
                       <a:r>
-                        <a:rPr lang="ko-KR" altLang="en-US" sz="1600" dirty="0" smtClean="0">
+                        <a:rPr lang="ko-KR" altLang="en-US" sz="1600" dirty="0">
                           <a:latin typeface="맑은 고딕" panose="020B0503020000020004" pitchFamily="50" charset="-127"/>
                           <a:ea typeface="+mn-ea"/>
                         </a:rPr>
                         <a:t>지도 표시</a:t>
                       </a:r>
-                      <a:endParaRPr lang="en-US" altLang="ko-KR" sz="1600" baseline="0" dirty="0" smtClean="0">
+                      <a:endParaRPr lang="en-US" altLang="ko-KR" sz="1600" baseline="0" dirty="0">
                         <a:latin typeface="맑은 고딕" panose="020B0503020000020004" pitchFamily="50" charset="-127"/>
                         <a:ea typeface="+mn-ea"/>
                       </a:endParaRPr>
@@ -10797,13 +10730,13 @@
                     <a:p>
                       <a:pPr algn="ctr" latinLnBrk="1"/>
                       <a:r>
-                        <a:rPr lang="ko-KR" altLang="en-US" sz="1600" baseline="0" dirty="0" smtClean="0">
+                        <a:rPr lang="ko-KR" altLang="en-US" sz="1600" baseline="0" dirty="0">
                           <a:latin typeface="맑은 고딕" panose="020B0503020000020004" pitchFamily="50" charset="-127"/>
                           <a:ea typeface="+mn-ea"/>
                         </a:rPr>
                         <a:t>구현 불가</a:t>
                       </a:r>
-                      <a:endParaRPr lang="en-US" altLang="ko-KR" sz="1600" baseline="0" dirty="0" smtClean="0">
+                      <a:endParaRPr lang="en-US" altLang="ko-KR" sz="1600" baseline="0" dirty="0">
                         <a:latin typeface="맑은 고딕" panose="020B0503020000020004" pitchFamily="50" charset="-127"/>
                         <a:ea typeface="+mn-ea"/>
                       </a:endParaRPr>
@@ -10811,21 +10744,21 @@
                     <a:p>
                       <a:pPr algn="ctr" latinLnBrk="1"/>
                       <a:r>
-                        <a:rPr lang="en-US" altLang="ko-KR" sz="1600" baseline="0" dirty="0" smtClean="0">
+                        <a:rPr lang="en-US" altLang="ko-KR" sz="1600" baseline="0" dirty="0">
                           <a:latin typeface="맑은 고딕" panose="020B0503020000020004" pitchFamily="50" charset="-127"/>
                           <a:ea typeface="+mn-ea"/>
                         </a:rPr>
                         <a:t>(</a:t>
                       </a:r>
                       <a:r>
-                        <a:rPr lang="ko-KR" altLang="en-US" sz="1600" baseline="0" dirty="0" smtClean="0">
+                        <a:rPr lang="ko-KR" altLang="en-US" sz="1600" baseline="0" dirty="0">
                           <a:latin typeface="맑은 고딕" panose="020B0503020000020004" pitchFamily="50" charset="-127"/>
                           <a:ea typeface="+mn-ea"/>
                         </a:rPr>
                         <a:t>위도 경도 정보</a:t>
                       </a:r>
                       <a:r>
-                        <a:rPr lang="en-US" altLang="ko-KR" sz="1600" baseline="0" dirty="0" smtClean="0">
+                        <a:rPr lang="en-US" altLang="ko-KR" sz="1600" baseline="0" dirty="0">
                           <a:latin typeface="맑은 고딕" panose="020B0503020000020004" pitchFamily="50" charset="-127"/>
                           <a:ea typeface="+mn-ea"/>
                         </a:rPr>
@@ -10841,7 +10774,7 @@
                 </a:tc>
                 <a:extLst>
                   <a:ext uri="{0D108BD9-81ED-4DB2-BD59-A6C34878D82A}">
-                    <a16:rowId xmlns:a16="http://schemas.microsoft.com/office/drawing/2014/main" xmlns="" val="10003"/>
+                    <a16:rowId xmlns:a16="http://schemas.microsoft.com/office/drawing/2014/main" val="10003"/>
                   </a:ext>
                 </a:extLst>
               </a:tr>
@@ -10913,7 +10846,7 @@
                     <a:p>
                       <a:pPr algn="ctr" latinLnBrk="1"/>
                       <a:r>
-                        <a:rPr lang="ko-KR" altLang="en-US" sz="1600" dirty="0" smtClean="0"/>
+                        <a:rPr lang="ko-KR" altLang="en-US" sz="1600" dirty="0"/>
                         <a:t>△</a:t>
                       </a:r>
                       <a:endParaRPr lang="ko-KR" altLang="en-US" sz="1600" dirty="0">
@@ -10931,14 +10864,14 @@
                     <a:p>
                       <a:pPr algn="ctr" latinLnBrk="1"/>
                       <a:r>
-                        <a:rPr lang="ko-KR" altLang="en-US" sz="1600" dirty="0" smtClean="0">
+                        <a:rPr lang="ko-KR" altLang="en-US" sz="1600" dirty="0">
                           <a:latin typeface="맑은 고딕" panose="020B0503020000020004" pitchFamily="50" charset="-127"/>
                           <a:ea typeface="맑은 고딕" panose="020B0503020000020004" pitchFamily="50" charset="-127"/>
                         </a:rPr>
                         <a:t>지도 표시 </a:t>
                       </a:r>
                       <a:r>
-                        <a:rPr lang="ko-KR" altLang="en-US" sz="1600" dirty="0" err="1" smtClean="0">
+                        <a:rPr lang="ko-KR" altLang="en-US" sz="1600" dirty="0" err="1">
                           <a:latin typeface="맑은 고딕" panose="020B0503020000020004" pitchFamily="50" charset="-127"/>
                           <a:ea typeface="맑은 고딕" panose="020B0503020000020004" pitchFamily="50" charset="-127"/>
                         </a:rPr>
@@ -10954,7 +10887,7 @@
                 </a:tc>
                 <a:extLst>
                   <a:ext uri="{0D108BD9-81ED-4DB2-BD59-A6C34878D82A}">
-                    <a16:rowId xmlns:a16="http://schemas.microsoft.com/office/drawing/2014/main" xmlns="" val="10004"/>
+                    <a16:rowId xmlns:a16="http://schemas.microsoft.com/office/drawing/2014/main" val="10004"/>
                   </a:ext>
                 </a:extLst>
               </a:tr>
@@ -10988,7 +10921,7 @@
                     <a:p>
                       <a:pPr algn="ctr" latinLnBrk="1"/>
                       <a:r>
-                        <a:rPr lang="ko-KR" altLang="en-US" sz="1600" dirty="0" smtClean="0"/>
+                        <a:rPr lang="ko-KR" altLang="en-US" sz="1600" dirty="0"/>
                         <a:t>코로나 검사 실시 기관</a:t>
                       </a:r>
                       <a:endParaRPr lang="en-US" altLang="ko-KR" sz="1600" baseline="0" dirty="0"/>
@@ -10997,22 +10930,18 @@
                       <a:pPr algn="ctr" latinLnBrk="1"/>
                       <a:r>
                         <a:rPr lang="ko-KR" altLang="en-US" sz="1600" baseline="0" dirty="0"/>
-                        <a:t>리스트에 </a:t>
+                        <a:t>리스트에 출력 </a:t>
                       </a:r>
                       <a:r>
-                        <a:rPr lang="ko-KR" altLang="en-US" sz="1600" baseline="0" dirty="0" smtClean="0"/>
-                        <a:t>출력 </a:t>
-                      </a:r>
-                      <a:r>
-                        <a:rPr lang="en-US" altLang="ko-KR" sz="1600" baseline="0" dirty="0" smtClean="0"/>
+                        <a:rPr lang="en-US" altLang="ko-KR" sz="1600" baseline="0" dirty="0"/>
                         <a:t>(</a:t>
                       </a:r>
                       <a:r>
-                        <a:rPr lang="ko-KR" altLang="en-US" sz="1600" baseline="0" dirty="0" smtClean="0"/>
+                        <a:rPr lang="ko-KR" altLang="en-US" sz="1600" baseline="0" dirty="0"/>
                         <a:t>변경</a:t>
                       </a:r>
                       <a:r>
-                        <a:rPr lang="en-US" altLang="ko-KR" sz="1600" baseline="0" dirty="0" smtClean="0"/>
+                        <a:rPr lang="en-US" altLang="ko-KR" sz="1600" baseline="0" dirty="0"/>
                         <a:t>)</a:t>
                       </a:r>
                       <a:endParaRPr lang="en-US" altLang="ko-KR" sz="1600" dirty="0">
@@ -11030,7 +10959,7 @@
                     <a:p>
                       <a:pPr algn="ctr" latinLnBrk="1"/>
                       <a:r>
-                        <a:rPr lang="en-US" altLang="ko-KR" sz="1600" dirty="0" smtClean="0">
+                        <a:rPr lang="en-US" altLang="ko-KR" sz="1600" dirty="0">
                           <a:latin typeface="맑은 고딕" panose="020B0503020000020004" pitchFamily="50" charset="-127"/>
                           <a:ea typeface="맑은 고딕" panose="020B0503020000020004" pitchFamily="50" charset="-127"/>
                         </a:rPr>
@@ -11051,13 +10980,13 @@
                     <a:p>
                       <a:pPr algn="ctr" latinLnBrk="1"/>
                       <a:r>
-                        <a:rPr lang="ko-KR" altLang="en-US" sz="1600" dirty="0" smtClean="0">
+                        <a:rPr lang="ko-KR" altLang="en-US" sz="1600" dirty="0">
                           <a:latin typeface="맑은 고딕" panose="020B0503020000020004" pitchFamily="50" charset="-127"/>
                           <a:ea typeface="맑은 고딕" panose="020B0503020000020004" pitchFamily="50" charset="-127"/>
                         </a:rPr>
                         <a:t>지도 표시</a:t>
                       </a:r>
-                      <a:endParaRPr lang="en-US" altLang="ko-KR" sz="1600" baseline="0" dirty="0" smtClean="0">
+                      <a:endParaRPr lang="en-US" altLang="ko-KR" sz="1600" baseline="0" dirty="0">
                         <a:latin typeface="맑은 고딕" panose="020B0503020000020004" pitchFamily="50" charset="-127"/>
                         <a:ea typeface="맑은 고딕" panose="020B0503020000020004" pitchFamily="50" charset="-127"/>
                       </a:endParaRPr>
@@ -11065,13 +10994,13 @@
                     <a:p>
                       <a:pPr algn="ctr" latinLnBrk="1"/>
                       <a:r>
-                        <a:rPr lang="ko-KR" altLang="en-US" sz="1600" baseline="0" dirty="0" smtClean="0">
+                        <a:rPr lang="ko-KR" altLang="en-US" sz="1600" baseline="0" dirty="0">
                           <a:latin typeface="맑은 고딕" panose="020B0503020000020004" pitchFamily="50" charset="-127"/>
                           <a:ea typeface="맑은 고딕" panose="020B0503020000020004" pitchFamily="50" charset="-127"/>
                         </a:rPr>
                         <a:t>구현 불가</a:t>
                       </a:r>
-                      <a:endParaRPr lang="en-US" altLang="ko-KR" sz="1600" baseline="0" dirty="0" smtClean="0">
+                      <a:endParaRPr lang="en-US" altLang="ko-KR" sz="1600" baseline="0" dirty="0">
                         <a:latin typeface="맑은 고딕" panose="020B0503020000020004" pitchFamily="50" charset="-127"/>
                         <a:ea typeface="맑은 고딕" panose="020B0503020000020004" pitchFamily="50" charset="-127"/>
                       </a:endParaRPr>
@@ -11079,21 +11008,21 @@
                     <a:p>
                       <a:pPr algn="ctr" latinLnBrk="1"/>
                       <a:r>
-                        <a:rPr lang="en-US" altLang="ko-KR" sz="1600" baseline="0" dirty="0" smtClean="0">
+                        <a:rPr lang="en-US" altLang="ko-KR" sz="1600" baseline="0" dirty="0">
                           <a:latin typeface="맑은 고딕" panose="020B0503020000020004" pitchFamily="50" charset="-127"/>
                           <a:ea typeface="맑은 고딕" panose="020B0503020000020004" pitchFamily="50" charset="-127"/>
                         </a:rPr>
                         <a:t>(</a:t>
                       </a:r>
                       <a:r>
-                        <a:rPr lang="ko-KR" altLang="en-US" sz="1600" baseline="0" dirty="0" smtClean="0">
+                        <a:rPr lang="ko-KR" altLang="en-US" sz="1600" baseline="0" dirty="0">
                           <a:latin typeface="맑은 고딕" panose="020B0503020000020004" pitchFamily="50" charset="-127"/>
                           <a:ea typeface="맑은 고딕" panose="020B0503020000020004" pitchFamily="50" charset="-127"/>
                         </a:rPr>
                         <a:t>위도 경도 정보</a:t>
                       </a:r>
                       <a:r>
-                        <a:rPr lang="en-US" altLang="ko-KR" sz="1600" baseline="0" dirty="0" smtClean="0">
+                        <a:rPr lang="en-US" altLang="ko-KR" sz="1600" baseline="0" dirty="0">
                           <a:latin typeface="맑은 고딕" panose="020B0503020000020004" pitchFamily="50" charset="-127"/>
                           <a:ea typeface="맑은 고딕" panose="020B0503020000020004" pitchFamily="50" charset="-127"/>
                         </a:rPr>
@@ -11109,7 +11038,7 @@
                 </a:tc>
                 <a:extLst>
                   <a:ext uri="{0D108BD9-81ED-4DB2-BD59-A6C34878D82A}">
-                    <a16:rowId xmlns:a16="http://schemas.microsoft.com/office/drawing/2014/main" xmlns="" val="10005"/>
+                    <a16:rowId xmlns:a16="http://schemas.microsoft.com/office/drawing/2014/main" val="10005"/>
                   </a:ext>
                 </a:extLst>
               </a:tr>
@@ -11127,13 +11056,6 @@
   <p:clrMapOvr>
     <a:masterClrMapping/>
   </p:clrMapOvr>
-  <p:timing>
-    <p:tnLst>
-      <p:par>
-        <p:cTn id="1" dur="indefinite" restart="never" nodeType="tmRoot"/>
-      </p:par>
-    </p:tnLst>
-  </p:timing>
 </p:sld>
 </file>
 
@@ -11678,7 +11600,7 @@
           <p:cNvPr id="87" name="사각형: 둥근 모서리 4">
             <a:extLst>
               <a:ext uri="{FF2B5EF4-FFF2-40B4-BE49-F238E27FC236}">
-                <a16:creationId xmlns:a16="http://schemas.microsoft.com/office/drawing/2014/main" xmlns="" id="{ABC0E14A-3394-B428-5DF8-6934FA3A4852}"/>
+                <a16:creationId xmlns:a16="http://schemas.microsoft.com/office/drawing/2014/main" id="{ABC0E14A-3394-B428-5DF8-6934FA3A4852}"/>
               </a:ext>
             </a:extLst>
           </p:cNvPr>
@@ -11725,18 +11647,13 @@
           <a:p>
             <a:pPr algn="ctr"/>
             <a:r>
-              <a:rPr lang="ko-KR" altLang="en-US" b="1" dirty="0" smtClean="0">
+              <a:rPr lang="ko-KR" altLang="en-US" b="1" dirty="0">
                 <a:solidFill>
                   <a:prstClr val="white"/>
                 </a:solidFill>
               </a:rPr>
               <a:t>프로그램 시연 영상</a:t>
             </a:r>
-            <a:endParaRPr lang="ko-KR" altLang="en-US" b="1" dirty="0">
-              <a:solidFill>
-                <a:prstClr val="white"/>
-              </a:solidFill>
-            </a:endParaRPr>
           </a:p>
         </p:txBody>
       </p:sp>
@@ -11750,13 +11667,6 @@
   <p:clrMapOvr>
     <a:masterClrMapping/>
   </p:clrMapOvr>
-  <p:timing>
-    <p:tnLst>
-      <p:par>
-        <p:cTn id="1" dur="indefinite" restart="never" nodeType="tmRoot"/>
-      </p:par>
-    </p:tnLst>
-  </p:timing>
 </p:sld>
 </file>
 
@@ -12301,7 +12211,7 @@
           <p:cNvPr id="87" name="사각형: 둥근 모서리 4">
             <a:extLst>
               <a:ext uri="{FF2B5EF4-FFF2-40B4-BE49-F238E27FC236}">
-                <a16:creationId xmlns:a16="http://schemas.microsoft.com/office/drawing/2014/main" xmlns="" id="{ABC0E14A-3394-B428-5DF8-6934FA3A4852}"/>
+                <a16:creationId xmlns:a16="http://schemas.microsoft.com/office/drawing/2014/main" id="{ABC0E14A-3394-B428-5DF8-6934FA3A4852}"/>
               </a:ext>
             </a:extLst>
           </p:cNvPr>
@@ -12348,7 +12258,7 @@
           <a:p>
             <a:pPr algn="ctr"/>
             <a:r>
-              <a:rPr lang="en-US" altLang="ko-KR" b="1" dirty="0" err="1" smtClean="0">
+              <a:rPr lang="en-US" altLang="ko-KR" b="1" dirty="0" err="1">
                 <a:solidFill>
                   <a:prstClr val="white"/>
                 </a:solidFill>
@@ -12356,7 +12266,7 @@
               <a:t>Git</a:t>
             </a:r>
             <a:r>
-              <a:rPr lang="en-US" altLang="ko-KR" b="1" dirty="0" smtClean="0">
+              <a:rPr lang="en-US" altLang="ko-KR" b="1" dirty="0">
                 <a:solidFill>
                   <a:prstClr val="white"/>
                 </a:solidFill>
@@ -12364,7 +12274,7 @@
               <a:t> Commit </a:t>
             </a:r>
             <a:r>
-              <a:rPr lang="ko-KR" altLang="en-US" b="1" dirty="0" smtClean="0">
+              <a:rPr lang="ko-KR" altLang="en-US" b="1" dirty="0">
                 <a:solidFill>
                   <a:prstClr val="white"/>
                 </a:solidFill>
@@ -12372,7 +12282,7 @@
               <a:t>현황</a:t>
             </a:r>
             <a:r>
-              <a:rPr lang="en-US" altLang="ko-KR" b="1" dirty="0" smtClean="0">
+              <a:rPr lang="en-US" altLang="ko-KR" b="1" dirty="0">
                 <a:solidFill>
                   <a:prstClr val="white"/>
                 </a:solidFill>
@@ -12427,13 +12337,6 @@
   <p:clrMapOvr>
     <a:masterClrMapping/>
   </p:clrMapOvr>
-  <p:timing>
-    <p:tnLst>
-      <p:par>
-        <p:cTn id="1" dur="indefinite" restart="never" nodeType="tmRoot"/>
-      </p:par>
-    </p:tnLst>
-  </p:timing>
 </p:sld>
 </file>
 

--- a/finalproject/중간발표.pptx
+++ b/finalproject/중간발표.pptx
@@ -12299,28 +12299,28 @@
       </p:sp>
       <p:pic>
         <p:nvPicPr>
-          <p:cNvPr id="2" name="그림 1"/>
+          <p:cNvPr id="4" name="그림 3">
+            <a:extLst>
+              <a:ext uri="{FF2B5EF4-FFF2-40B4-BE49-F238E27FC236}">
+                <a16:creationId xmlns:a16="http://schemas.microsoft.com/office/drawing/2014/main" id="{F0D1CB01-FAEC-F266-8761-A4D6FD2A4A0A}"/>
+              </a:ext>
+            </a:extLst>
+          </p:cNvPr>
           <p:cNvPicPr>
             <a:picLocks noChangeAspect="1"/>
           </p:cNvPicPr>
           <p:nvPr/>
         </p:nvPicPr>
         <p:blipFill>
-          <a:blip r:embed="rId2">
-            <a:extLst>
-              <a:ext uri="{28A0092B-C50C-407E-A947-70E740481C1C}">
-                <a14:useLocalDpi xmlns:a14="http://schemas.microsoft.com/office/drawing/2010/main" val="0"/>
-              </a:ext>
-            </a:extLst>
-          </a:blip>
+          <a:blip r:embed="rId2"/>
           <a:stretch>
             <a:fillRect/>
           </a:stretch>
         </p:blipFill>
         <p:spPr>
           <a:xfrm>
-            <a:off x="953808" y="2137670"/>
-            <a:ext cx="10707726" cy="2648514"/>
+            <a:off x="768350" y="2217810"/>
+            <a:ext cx="10716514" cy="3140126"/>
           </a:xfrm>
           <a:prstGeom prst="rect">
             <a:avLst/>
